--- a/Automated Data Scraping.pptx
+++ b/Automated Data Scraping.pptx
@@ -120,6 +120,2740 @@
 </p:presentation>
 </file>
 
+<file path=ppt/diagrams/colors1.xml><?xml version="1.0" encoding="utf-8"?>
+<dgm:colorsDef xmlns:dgm="http://schemas.openxmlformats.org/drawingml/2006/diagram" xmlns:a="http://schemas.openxmlformats.org/drawingml/2006/main" uniqueId="urn:microsoft.com/office/officeart/2005/8/colors/accent1_2">
+  <dgm:title val=""/>
+  <dgm:desc val=""/>
+  <dgm:catLst>
+    <dgm:cat type="accent1" pri="11200"/>
+  </dgm:catLst>
+  <dgm:styleLbl name="node0">
+    <dgm:fillClrLst meth="repeat">
+      <a:schemeClr val="accent1"/>
+    </dgm:fillClrLst>
+    <dgm:linClrLst meth="repeat">
+      <a:schemeClr val="lt1"/>
+    </dgm:linClrLst>
+    <dgm:effectClrLst/>
+    <dgm:txLinClrLst/>
+    <dgm:txFillClrLst/>
+    <dgm:txEffectClrLst/>
+  </dgm:styleLbl>
+  <dgm:styleLbl name="alignNode1">
+    <dgm:fillClrLst meth="repeat">
+      <a:schemeClr val="accent1"/>
+    </dgm:fillClrLst>
+    <dgm:linClrLst meth="repeat">
+      <a:schemeClr val="accent1"/>
+    </dgm:linClrLst>
+    <dgm:effectClrLst/>
+    <dgm:txLinClrLst/>
+    <dgm:txFillClrLst/>
+    <dgm:txEffectClrLst/>
+  </dgm:styleLbl>
+  <dgm:styleLbl name="node1">
+    <dgm:fillClrLst meth="repeat">
+      <a:schemeClr val="accent1"/>
+    </dgm:fillClrLst>
+    <dgm:linClrLst meth="repeat">
+      <a:schemeClr val="lt1"/>
+    </dgm:linClrLst>
+    <dgm:effectClrLst/>
+    <dgm:txLinClrLst/>
+    <dgm:txFillClrLst/>
+    <dgm:txEffectClrLst/>
+  </dgm:styleLbl>
+  <dgm:styleLbl name="lnNode1">
+    <dgm:fillClrLst meth="repeat">
+      <a:schemeClr val="accent1"/>
+    </dgm:fillClrLst>
+    <dgm:linClrLst meth="repeat">
+      <a:schemeClr val="lt1"/>
+    </dgm:linClrLst>
+    <dgm:effectClrLst/>
+    <dgm:txLinClrLst/>
+    <dgm:txFillClrLst/>
+    <dgm:txEffectClrLst/>
+  </dgm:styleLbl>
+  <dgm:styleLbl name="vennNode1">
+    <dgm:fillClrLst meth="repeat">
+      <a:schemeClr val="accent1">
+        <a:alpha val="50000"/>
+      </a:schemeClr>
+    </dgm:fillClrLst>
+    <dgm:linClrLst meth="repeat">
+      <a:schemeClr val="lt1"/>
+    </dgm:linClrLst>
+    <dgm:effectClrLst/>
+    <dgm:txLinClrLst/>
+    <dgm:txFillClrLst/>
+    <dgm:txEffectClrLst/>
+  </dgm:styleLbl>
+  <dgm:styleLbl name="node2">
+    <dgm:fillClrLst meth="repeat">
+      <a:schemeClr val="accent1"/>
+    </dgm:fillClrLst>
+    <dgm:linClrLst meth="repeat">
+      <a:schemeClr val="lt1"/>
+    </dgm:linClrLst>
+    <dgm:effectClrLst/>
+    <dgm:txLinClrLst/>
+    <dgm:txFillClrLst/>
+    <dgm:txEffectClrLst/>
+  </dgm:styleLbl>
+  <dgm:styleLbl name="node3">
+    <dgm:fillClrLst meth="repeat">
+      <a:schemeClr val="accent1"/>
+    </dgm:fillClrLst>
+    <dgm:linClrLst meth="repeat">
+      <a:schemeClr val="lt1"/>
+    </dgm:linClrLst>
+    <dgm:effectClrLst/>
+    <dgm:txLinClrLst/>
+    <dgm:txFillClrLst/>
+    <dgm:txEffectClrLst/>
+  </dgm:styleLbl>
+  <dgm:styleLbl name="node4">
+    <dgm:fillClrLst meth="repeat">
+      <a:schemeClr val="accent1"/>
+    </dgm:fillClrLst>
+    <dgm:linClrLst meth="repeat">
+      <a:schemeClr val="lt1"/>
+    </dgm:linClrLst>
+    <dgm:effectClrLst/>
+    <dgm:txLinClrLst/>
+    <dgm:txFillClrLst/>
+    <dgm:txEffectClrLst/>
+  </dgm:styleLbl>
+  <dgm:styleLbl name="fgImgPlace1">
+    <dgm:fillClrLst meth="repeat">
+      <a:schemeClr val="accent1">
+        <a:tint val="50000"/>
+      </a:schemeClr>
+    </dgm:fillClrLst>
+    <dgm:linClrLst meth="repeat">
+      <a:schemeClr val="lt1"/>
+    </dgm:linClrLst>
+    <dgm:effectClrLst/>
+    <dgm:txLinClrLst/>
+    <dgm:txFillClrLst meth="repeat">
+      <a:schemeClr val="lt1"/>
+    </dgm:txFillClrLst>
+    <dgm:txEffectClrLst/>
+  </dgm:styleLbl>
+  <dgm:styleLbl name="alignImgPlace1">
+    <dgm:fillClrLst meth="repeat">
+      <a:schemeClr val="accent1">
+        <a:tint val="50000"/>
+      </a:schemeClr>
+    </dgm:fillClrLst>
+    <dgm:linClrLst meth="repeat">
+      <a:schemeClr val="lt1"/>
+    </dgm:linClrLst>
+    <dgm:effectClrLst/>
+    <dgm:txLinClrLst/>
+    <dgm:txFillClrLst meth="repeat">
+      <a:schemeClr val="lt1"/>
+    </dgm:txFillClrLst>
+    <dgm:txEffectClrLst/>
+  </dgm:styleLbl>
+  <dgm:styleLbl name="bgImgPlace1">
+    <dgm:fillClrLst meth="repeat">
+      <a:schemeClr val="accent1">
+        <a:tint val="50000"/>
+      </a:schemeClr>
+    </dgm:fillClrLst>
+    <dgm:linClrLst meth="repeat">
+      <a:schemeClr val="lt1"/>
+    </dgm:linClrLst>
+    <dgm:effectClrLst/>
+    <dgm:txLinClrLst/>
+    <dgm:txFillClrLst meth="repeat">
+      <a:schemeClr val="lt1"/>
+    </dgm:txFillClrLst>
+    <dgm:txEffectClrLst/>
+  </dgm:styleLbl>
+  <dgm:styleLbl name="sibTrans2D1">
+    <dgm:fillClrLst meth="repeat">
+      <a:schemeClr val="accent1">
+        <a:tint val="60000"/>
+      </a:schemeClr>
+    </dgm:fillClrLst>
+    <dgm:linClrLst meth="repeat">
+      <a:schemeClr val="accent1">
+        <a:tint val="60000"/>
+      </a:schemeClr>
+    </dgm:linClrLst>
+    <dgm:effectClrLst/>
+    <dgm:txLinClrLst/>
+    <dgm:txFillClrLst/>
+    <dgm:txEffectClrLst/>
+  </dgm:styleLbl>
+  <dgm:styleLbl name="fgSibTrans2D1">
+    <dgm:fillClrLst meth="repeat">
+      <a:schemeClr val="accent1">
+        <a:tint val="60000"/>
+      </a:schemeClr>
+    </dgm:fillClrLst>
+    <dgm:linClrLst meth="repeat">
+      <a:schemeClr val="accent1">
+        <a:tint val="60000"/>
+      </a:schemeClr>
+    </dgm:linClrLst>
+    <dgm:effectClrLst/>
+    <dgm:txLinClrLst/>
+    <dgm:txFillClrLst/>
+    <dgm:txEffectClrLst/>
+  </dgm:styleLbl>
+  <dgm:styleLbl name="bgSibTrans2D1">
+    <dgm:fillClrLst meth="repeat">
+      <a:schemeClr val="accent1">
+        <a:tint val="60000"/>
+      </a:schemeClr>
+    </dgm:fillClrLst>
+    <dgm:linClrLst meth="repeat">
+      <a:schemeClr val="accent1">
+        <a:tint val="60000"/>
+      </a:schemeClr>
+    </dgm:linClrLst>
+    <dgm:effectClrLst/>
+    <dgm:txLinClrLst/>
+    <dgm:txFillClrLst/>
+    <dgm:txEffectClrLst/>
+  </dgm:styleLbl>
+  <dgm:styleLbl name="sibTrans1D1">
+    <dgm:fillClrLst meth="repeat">
+      <a:schemeClr val="accent1"/>
+    </dgm:fillClrLst>
+    <dgm:linClrLst meth="repeat">
+      <a:schemeClr val="accent1"/>
+    </dgm:linClrLst>
+    <dgm:effectClrLst/>
+    <dgm:txLinClrLst/>
+    <dgm:txFillClrLst meth="repeat">
+      <a:schemeClr val="tx1"/>
+    </dgm:txFillClrLst>
+    <dgm:txEffectClrLst/>
+  </dgm:styleLbl>
+  <dgm:styleLbl name="callout">
+    <dgm:fillClrLst meth="repeat">
+      <a:schemeClr val="accent1"/>
+    </dgm:fillClrLst>
+    <dgm:linClrLst meth="repeat">
+      <a:schemeClr val="accent1">
+        <a:tint val="50000"/>
+      </a:schemeClr>
+    </dgm:linClrLst>
+    <dgm:effectClrLst/>
+    <dgm:txLinClrLst/>
+    <dgm:txFillClrLst meth="repeat">
+      <a:schemeClr val="tx1"/>
+    </dgm:txFillClrLst>
+    <dgm:txEffectClrLst/>
+  </dgm:styleLbl>
+  <dgm:styleLbl name="asst0">
+    <dgm:fillClrLst meth="repeat">
+      <a:schemeClr val="accent1"/>
+    </dgm:fillClrLst>
+    <dgm:linClrLst meth="repeat">
+      <a:schemeClr val="lt1"/>
+    </dgm:linClrLst>
+    <dgm:effectClrLst/>
+    <dgm:txLinClrLst/>
+    <dgm:txFillClrLst/>
+    <dgm:txEffectClrLst/>
+  </dgm:styleLbl>
+  <dgm:styleLbl name="asst1">
+    <dgm:fillClrLst meth="repeat">
+      <a:schemeClr val="accent1"/>
+    </dgm:fillClrLst>
+    <dgm:linClrLst meth="repeat">
+      <a:schemeClr val="lt1"/>
+    </dgm:linClrLst>
+    <dgm:effectClrLst/>
+    <dgm:txLinClrLst/>
+    <dgm:txFillClrLst/>
+    <dgm:txEffectClrLst/>
+  </dgm:styleLbl>
+  <dgm:styleLbl name="asst2">
+    <dgm:fillClrLst meth="repeat">
+      <a:schemeClr val="accent1"/>
+    </dgm:fillClrLst>
+    <dgm:linClrLst meth="repeat">
+      <a:schemeClr val="lt1"/>
+    </dgm:linClrLst>
+    <dgm:effectClrLst/>
+    <dgm:txLinClrLst/>
+    <dgm:txFillClrLst/>
+    <dgm:txEffectClrLst/>
+  </dgm:styleLbl>
+  <dgm:styleLbl name="asst3">
+    <dgm:fillClrLst meth="repeat">
+      <a:schemeClr val="accent1"/>
+    </dgm:fillClrLst>
+    <dgm:linClrLst meth="repeat">
+      <a:schemeClr val="lt1"/>
+    </dgm:linClrLst>
+    <dgm:effectClrLst/>
+    <dgm:txLinClrLst/>
+    <dgm:txFillClrLst/>
+    <dgm:txEffectClrLst/>
+  </dgm:styleLbl>
+  <dgm:styleLbl name="asst4">
+    <dgm:fillClrLst meth="repeat">
+      <a:schemeClr val="accent1"/>
+    </dgm:fillClrLst>
+    <dgm:linClrLst meth="repeat">
+      <a:schemeClr val="lt1"/>
+    </dgm:linClrLst>
+    <dgm:effectClrLst/>
+    <dgm:txLinClrLst/>
+    <dgm:txFillClrLst/>
+    <dgm:txEffectClrLst/>
+  </dgm:styleLbl>
+  <dgm:styleLbl name="parChTrans2D1">
+    <dgm:fillClrLst meth="repeat">
+      <a:schemeClr val="accent1">
+        <a:tint val="60000"/>
+      </a:schemeClr>
+    </dgm:fillClrLst>
+    <dgm:linClrLst meth="repeat">
+      <a:schemeClr val="accent1">
+        <a:tint val="60000"/>
+      </a:schemeClr>
+    </dgm:linClrLst>
+    <dgm:effectClrLst/>
+    <dgm:txLinClrLst/>
+    <dgm:txFillClrLst meth="repeat">
+      <a:schemeClr val="lt1"/>
+    </dgm:txFillClrLst>
+    <dgm:txEffectClrLst/>
+  </dgm:styleLbl>
+  <dgm:styleLbl name="parChTrans2D2">
+    <dgm:fillClrLst meth="repeat">
+      <a:schemeClr val="accent1"/>
+    </dgm:fillClrLst>
+    <dgm:linClrLst meth="repeat">
+      <a:schemeClr val="accent1"/>
+    </dgm:linClrLst>
+    <dgm:effectClrLst/>
+    <dgm:txLinClrLst/>
+    <dgm:txFillClrLst meth="repeat">
+      <a:schemeClr val="lt1"/>
+    </dgm:txFillClrLst>
+    <dgm:txEffectClrLst/>
+  </dgm:styleLbl>
+  <dgm:styleLbl name="parChTrans2D3">
+    <dgm:fillClrLst meth="repeat">
+      <a:schemeClr val="accent1"/>
+    </dgm:fillClrLst>
+    <dgm:linClrLst meth="repeat">
+      <a:schemeClr val="accent1"/>
+    </dgm:linClrLst>
+    <dgm:effectClrLst/>
+    <dgm:txLinClrLst/>
+    <dgm:txFillClrLst meth="repeat">
+      <a:schemeClr val="lt1"/>
+    </dgm:txFillClrLst>
+    <dgm:txEffectClrLst/>
+  </dgm:styleLbl>
+  <dgm:styleLbl name="parChTrans2D4">
+    <dgm:fillClrLst meth="repeat">
+      <a:schemeClr val="accent1"/>
+    </dgm:fillClrLst>
+    <dgm:linClrLst meth="repeat">
+      <a:schemeClr val="accent1"/>
+    </dgm:linClrLst>
+    <dgm:effectClrLst/>
+    <dgm:txLinClrLst/>
+    <dgm:txFillClrLst meth="repeat">
+      <a:schemeClr val="lt1"/>
+    </dgm:txFillClrLst>
+    <dgm:txEffectClrLst/>
+  </dgm:styleLbl>
+  <dgm:styleLbl name="parChTrans1D1">
+    <dgm:fillClrLst meth="repeat">
+      <a:schemeClr val="accent1"/>
+    </dgm:fillClrLst>
+    <dgm:linClrLst meth="repeat">
+      <a:schemeClr val="accent1">
+        <a:shade val="60000"/>
+      </a:schemeClr>
+    </dgm:linClrLst>
+    <dgm:effectClrLst/>
+    <dgm:txLinClrLst/>
+    <dgm:txFillClrLst meth="repeat">
+      <a:schemeClr val="tx1"/>
+    </dgm:txFillClrLst>
+    <dgm:txEffectClrLst/>
+  </dgm:styleLbl>
+  <dgm:styleLbl name="parChTrans1D2">
+    <dgm:fillClrLst meth="repeat">
+      <a:schemeClr val="accent1"/>
+    </dgm:fillClrLst>
+    <dgm:linClrLst meth="repeat">
+      <a:schemeClr val="accent1">
+        <a:shade val="60000"/>
+      </a:schemeClr>
+    </dgm:linClrLst>
+    <dgm:effectClrLst/>
+    <dgm:txLinClrLst/>
+    <dgm:txFillClrLst meth="repeat">
+      <a:schemeClr val="tx1"/>
+    </dgm:txFillClrLst>
+    <dgm:txEffectClrLst/>
+  </dgm:styleLbl>
+  <dgm:styleLbl name="parChTrans1D3">
+    <dgm:fillClrLst meth="repeat">
+      <a:schemeClr val="accent1"/>
+    </dgm:fillClrLst>
+    <dgm:linClrLst meth="repeat">
+      <a:schemeClr val="accent1">
+        <a:shade val="80000"/>
+      </a:schemeClr>
+    </dgm:linClrLst>
+    <dgm:effectClrLst/>
+    <dgm:txLinClrLst/>
+    <dgm:txFillClrLst meth="repeat">
+      <a:schemeClr val="tx1"/>
+    </dgm:txFillClrLst>
+    <dgm:txEffectClrLst/>
+  </dgm:styleLbl>
+  <dgm:styleLbl name="parChTrans1D4">
+    <dgm:fillClrLst meth="repeat">
+      <a:schemeClr val="accent1"/>
+    </dgm:fillClrLst>
+    <dgm:linClrLst meth="repeat">
+      <a:schemeClr val="accent1">
+        <a:shade val="80000"/>
+      </a:schemeClr>
+    </dgm:linClrLst>
+    <dgm:effectClrLst/>
+    <dgm:txLinClrLst/>
+    <dgm:txFillClrLst meth="repeat">
+      <a:schemeClr val="tx1"/>
+    </dgm:txFillClrLst>
+    <dgm:txEffectClrLst/>
+  </dgm:styleLbl>
+  <dgm:styleLbl name="fgAcc1">
+    <dgm:fillClrLst meth="repeat">
+      <a:schemeClr val="lt1">
+        <a:alpha val="90000"/>
+      </a:schemeClr>
+    </dgm:fillClrLst>
+    <dgm:linClrLst meth="repeat">
+      <a:schemeClr val="accent1"/>
+    </dgm:linClrLst>
+    <dgm:effectClrLst/>
+    <dgm:txLinClrLst/>
+    <dgm:txFillClrLst meth="repeat">
+      <a:schemeClr val="dk1"/>
+    </dgm:txFillClrLst>
+    <dgm:txEffectClrLst/>
+  </dgm:styleLbl>
+  <dgm:styleLbl name="conFgAcc1">
+    <dgm:fillClrLst meth="repeat">
+      <a:schemeClr val="lt1">
+        <a:alpha val="90000"/>
+      </a:schemeClr>
+    </dgm:fillClrLst>
+    <dgm:linClrLst meth="repeat">
+      <a:schemeClr val="accent1"/>
+    </dgm:linClrLst>
+    <dgm:effectClrLst/>
+    <dgm:txLinClrLst/>
+    <dgm:txFillClrLst meth="repeat">
+      <a:schemeClr val="dk1"/>
+    </dgm:txFillClrLst>
+    <dgm:txEffectClrLst/>
+  </dgm:styleLbl>
+  <dgm:styleLbl name="alignAcc1">
+    <dgm:fillClrLst meth="repeat">
+      <a:schemeClr val="lt1">
+        <a:alpha val="90000"/>
+      </a:schemeClr>
+    </dgm:fillClrLst>
+    <dgm:linClrLst meth="repeat">
+      <a:schemeClr val="accent1"/>
+    </dgm:linClrLst>
+    <dgm:effectClrLst/>
+    <dgm:txLinClrLst/>
+    <dgm:txFillClrLst meth="repeat">
+      <a:schemeClr val="dk1"/>
+    </dgm:txFillClrLst>
+    <dgm:txEffectClrLst/>
+  </dgm:styleLbl>
+  <dgm:styleLbl name="trAlignAcc1">
+    <dgm:fillClrLst meth="repeat">
+      <a:schemeClr val="lt1">
+        <a:alpha val="40000"/>
+      </a:schemeClr>
+    </dgm:fillClrLst>
+    <dgm:linClrLst meth="repeat">
+      <a:schemeClr val="accent1"/>
+    </dgm:linClrLst>
+    <dgm:effectClrLst/>
+    <dgm:txLinClrLst/>
+    <dgm:txFillClrLst meth="repeat">
+      <a:schemeClr val="dk1"/>
+    </dgm:txFillClrLst>
+    <dgm:txEffectClrLst/>
+  </dgm:styleLbl>
+  <dgm:styleLbl name="bgAcc1">
+    <dgm:fillClrLst meth="repeat">
+      <a:schemeClr val="lt1">
+        <a:alpha val="90000"/>
+      </a:schemeClr>
+    </dgm:fillClrLst>
+    <dgm:linClrLst meth="repeat">
+      <a:schemeClr val="accent1"/>
+    </dgm:linClrLst>
+    <dgm:effectClrLst/>
+    <dgm:txLinClrLst/>
+    <dgm:txFillClrLst meth="repeat">
+      <a:schemeClr val="dk1"/>
+    </dgm:txFillClrLst>
+    <dgm:txEffectClrLst/>
+  </dgm:styleLbl>
+  <dgm:styleLbl name="solidFgAcc1">
+    <dgm:fillClrLst meth="repeat">
+      <a:schemeClr val="lt1"/>
+    </dgm:fillClrLst>
+    <dgm:linClrLst meth="repeat">
+      <a:schemeClr val="accent1"/>
+    </dgm:linClrLst>
+    <dgm:effectClrLst/>
+    <dgm:txLinClrLst/>
+    <dgm:txFillClrLst meth="repeat">
+      <a:schemeClr val="dk1"/>
+    </dgm:txFillClrLst>
+    <dgm:txEffectClrLst/>
+  </dgm:styleLbl>
+  <dgm:styleLbl name="solidAlignAcc1">
+    <dgm:fillClrLst meth="repeat">
+      <a:schemeClr val="lt1"/>
+    </dgm:fillClrLst>
+    <dgm:linClrLst meth="repeat">
+      <a:schemeClr val="accent1"/>
+    </dgm:linClrLst>
+    <dgm:effectClrLst/>
+    <dgm:txLinClrLst/>
+    <dgm:txFillClrLst meth="repeat">
+      <a:schemeClr val="dk1"/>
+    </dgm:txFillClrLst>
+    <dgm:txEffectClrLst/>
+  </dgm:styleLbl>
+  <dgm:styleLbl name="solidBgAcc1">
+    <dgm:fillClrLst meth="repeat">
+      <a:schemeClr val="lt1"/>
+    </dgm:fillClrLst>
+    <dgm:linClrLst meth="repeat">
+      <a:schemeClr val="accent1"/>
+    </dgm:linClrLst>
+    <dgm:effectClrLst/>
+    <dgm:txLinClrLst/>
+    <dgm:txFillClrLst meth="repeat">
+      <a:schemeClr val="dk1"/>
+    </dgm:txFillClrLst>
+    <dgm:txEffectClrLst/>
+  </dgm:styleLbl>
+  <dgm:styleLbl name="fgAccFollowNode1">
+    <dgm:fillClrLst meth="repeat">
+      <a:schemeClr val="accent1">
+        <a:alpha val="90000"/>
+        <a:tint val="40000"/>
+      </a:schemeClr>
+    </dgm:fillClrLst>
+    <dgm:linClrLst meth="repeat">
+      <a:schemeClr val="accent1">
+        <a:alpha val="90000"/>
+        <a:tint val="40000"/>
+      </a:schemeClr>
+    </dgm:linClrLst>
+    <dgm:effectClrLst/>
+    <dgm:txLinClrLst/>
+    <dgm:txFillClrLst meth="repeat">
+      <a:schemeClr val="dk1"/>
+    </dgm:txFillClrLst>
+    <dgm:txEffectClrLst/>
+  </dgm:styleLbl>
+  <dgm:styleLbl name="alignAccFollowNode1">
+    <dgm:fillClrLst meth="repeat">
+      <a:schemeClr val="accent1">
+        <a:alpha val="90000"/>
+        <a:tint val="40000"/>
+      </a:schemeClr>
+    </dgm:fillClrLst>
+    <dgm:linClrLst meth="repeat">
+      <a:schemeClr val="accent1">
+        <a:alpha val="90000"/>
+        <a:tint val="40000"/>
+      </a:schemeClr>
+    </dgm:linClrLst>
+    <dgm:effectClrLst/>
+    <dgm:txLinClrLst/>
+    <dgm:txFillClrLst meth="repeat">
+      <a:schemeClr val="dk1"/>
+    </dgm:txFillClrLst>
+    <dgm:txEffectClrLst/>
+  </dgm:styleLbl>
+  <dgm:styleLbl name="bgAccFollowNode1">
+    <dgm:fillClrLst meth="repeat">
+      <a:schemeClr val="accent1">
+        <a:alpha val="90000"/>
+        <a:tint val="40000"/>
+      </a:schemeClr>
+    </dgm:fillClrLst>
+    <dgm:linClrLst meth="repeat">
+      <a:schemeClr val="accent1">
+        <a:alpha val="90000"/>
+        <a:tint val="40000"/>
+      </a:schemeClr>
+    </dgm:linClrLst>
+    <dgm:effectClrLst/>
+    <dgm:txLinClrLst/>
+    <dgm:txFillClrLst meth="repeat">
+      <a:schemeClr val="dk1"/>
+    </dgm:txFillClrLst>
+    <dgm:txEffectClrLst/>
+  </dgm:styleLbl>
+  <dgm:styleLbl name="fgAcc0">
+    <dgm:fillClrLst meth="repeat">
+      <a:schemeClr val="lt1">
+        <a:alpha val="90000"/>
+      </a:schemeClr>
+    </dgm:fillClrLst>
+    <dgm:linClrLst meth="repeat">
+      <a:schemeClr val="accent1"/>
+    </dgm:linClrLst>
+    <dgm:effectClrLst/>
+    <dgm:txLinClrLst/>
+    <dgm:txFillClrLst meth="repeat">
+      <a:schemeClr val="dk1"/>
+    </dgm:txFillClrLst>
+    <dgm:txEffectClrLst/>
+  </dgm:styleLbl>
+  <dgm:styleLbl name="fgAcc2">
+    <dgm:fillClrLst meth="repeat">
+      <a:schemeClr val="lt1">
+        <a:alpha val="90000"/>
+      </a:schemeClr>
+    </dgm:fillClrLst>
+    <dgm:linClrLst meth="repeat">
+      <a:schemeClr val="accent1"/>
+    </dgm:linClrLst>
+    <dgm:effectClrLst/>
+    <dgm:txLinClrLst/>
+    <dgm:txFillClrLst meth="repeat">
+      <a:schemeClr val="dk1"/>
+    </dgm:txFillClrLst>
+    <dgm:txEffectClrLst/>
+  </dgm:styleLbl>
+  <dgm:styleLbl name="fgAcc3">
+    <dgm:fillClrLst meth="repeat">
+      <a:schemeClr val="lt1">
+        <a:alpha val="90000"/>
+      </a:schemeClr>
+    </dgm:fillClrLst>
+    <dgm:linClrLst meth="repeat">
+      <a:schemeClr val="accent1"/>
+    </dgm:linClrLst>
+    <dgm:effectClrLst/>
+    <dgm:txLinClrLst/>
+    <dgm:txFillClrLst meth="repeat">
+      <a:schemeClr val="dk1"/>
+    </dgm:txFillClrLst>
+    <dgm:txEffectClrLst/>
+  </dgm:styleLbl>
+  <dgm:styleLbl name="fgAcc4">
+    <dgm:fillClrLst meth="repeat">
+      <a:schemeClr val="lt1">
+        <a:alpha val="90000"/>
+      </a:schemeClr>
+    </dgm:fillClrLst>
+    <dgm:linClrLst meth="repeat">
+      <a:schemeClr val="accent1"/>
+    </dgm:linClrLst>
+    <dgm:effectClrLst/>
+    <dgm:txLinClrLst/>
+    <dgm:txFillClrLst meth="repeat">
+      <a:schemeClr val="dk1"/>
+    </dgm:txFillClrLst>
+    <dgm:txEffectClrLst/>
+  </dgm:styleLbl>
+  <dgm:styleLbl name="bgShp">
+    <dgm:fillClrLst meth="repeat">
+      <a:schemeClr val="accent1">
+        <a:tint val="40000"/>
+      </a:schemeClr>
+    </dgm:fillClrLst>
+    <dgm:linClrLst meth="repeat">
+      <a:schemeClr val="accent1"/>
+    </dgm:linClrLst>
+    <dgm:effectClrLst/>
+    <dgm:txLinClrLst/>
+    <dgm:txFillClrLst meth="repeat">
+      <a:schemeClr val="dk1"/>
+    </dgm:txFillClrLst>
+    <dgm:txEffectClrLst/>
+  </dgm:styleLbl>
+  <dgm:styleLbl name="dkBgShp">
+    <dgm:fillClrLst meth="repeat">
+      <a:schemeClr val="accent1">
+        <a:shade val="80000"/>
+      </a:schemeClr>
+    </dgm:fillClrLst>
+    <dgm:linClrLst meth="repeat">
+      <a:schemeClr val="accent1"/>
+    </dgm:linClrLst>
+    <dgm:effectClrLst/>
+    <dgm:txLinClrLst/>
+    <dgm:txFillClrLst meth="repeat">
+      <a:schemeClr val="lt1"/>
+    </dgm:txFillClrLst>
+    <dgm:txEffectClrLst/>
+  </dgm:styleLbl>
+  <dgm:styleLbl name="trBgShp">
+    <dgm:fillClrLst meth="repeat">
+      <a:schemeClr val="accent1">
+        <a:tint val="50000"/>
+        <a:alpha val="40000"/>
+      </a:schemeClr>
+    </dgm:fillClrLst>
+    <dgm:linClrLst meth="repeat">
+      <a:schemeClr val="accent1"/>
+    </dgm:linClrLst>
+    <dgm:effectClrLst/>
+    <dgm:txLinClrLst/>
+    <dgm:txFillClrLst meth="repeat">
+      <a:schemeClr val="lt1"/>
+    </dgm:txFillClrLst>
+    <dgm:txEffectClrLst/>
+  </dgm:styleLbl>
+  <dgm:styleLbl name="fgShp">
+    <dgm:fillClrLst meth="repeat">
+      <a:schemeClr val="accent1">
+        <a:tint val="60000"/>
+      </a:schemeClr>
+    </dgm:fillClrLst>
+    <dgm:linClrLst meth="repeat">
+      <a:schemeClr val="lt1"/>
+    </dgm:linClrLst>
+    <dgm:effectClrLst/>
+    <dgm:txLinClrLst/>
+    <dgm:txFillClrLst meth="repeat">
+      <a:schemeClr val="dk1"/>
+    </dgm:txFillClrLst>
+    <dgm:txEffectClrLst/>
+  </dgm:styleLbl>
+  <dgm:styleLbl name="revTx">
+    <dgm:fillClrLst meth="repeat">
+      <a:schemeClr val="lt1">
+        <a:alpha val="0"/>
+      </a:schemeClr>
+    </dgm:fillClrLst>
+    <dgm:linClrLst meth="repeat">
+      <a:schemeClr val="dk1">
+        <a:alpha val="0"/>
+      </a:schemeClr>
+    </dgm:linClrLst>
+    <dgm:effectClrLst/>
+    <dgm:txLinClrLst/>
+    <dgm:txFillClrLst meth="repeat">
+      <a:schemeClr val="tx1"/>
+    </dgm:txFillClrLst>
+    <dgm:txEffectClrLst/>
+  </dgm:styleLbl>
+</dgm:colorsDef>
+</file>
+
+<file path=ppt/diagrams/data1.xml><?xml version="1.0" encoding="utf-8"?>
+<dgm:dataModel xmlns:dgm="http://schemas.openxmlformats.org/drawingml/2006/diagram" xmlns:a="http://schemas.openxmlformats.org/drawingml/2006/main">
+  <dgm:ptLst>
+    <dgm:pt modelId="{533AEEAA-F0CF-DA41-809F-3BEDDE026EF6}" type="doc">
+      <dgm:prSet loTypeId="urn:microsoft.com/office/officeart/2009/3/layout/StepUpProcess" loCatId="" qsTypeId="urn:microsoft.com/office/officeart/2005/8/quickstyle/simple1" qsCatId="simple" csTypeId="urn:microsoft.com/office/officeart/2005/8/colors/accent1_2" csCatId="accent1" phldr="1"/>
+      <dgm:spPr/>
+      <dgm:t>
+        <a:bodyPr/>
+        <a:lstStyle/>
+        <a:p>
+          <a:endParaRPr lang="en-GB"/>
+        </a:p>
+      </dgm:t>
+    </dgm:pt>
+    <dgm:pt modelId="{2BA7CAB9-8E47-5F40-8A36-212E00F5EB11}">
+      <dgm:prSet phldrT="[Text]" custT="1"/>
+      <dgm:spPr/>
+      <dgm:t>
+        <a:bodyPr/>
+        <a:lstStyle/>
+        <a:p>
+          <a:r>
+            <a:rPr lang="en-GB" sz="2000" dirty="0"/>
+            <a:t>Improve efficiency by reducing manual data collection</a:t>
+          </a:r>
+        </a:p>
+      </dgm:t>
+    </dgm:pt>
+    <dgm:pt modelId="{5D031E1F-0D76-9442-8383-8B52B8403092}" type="parTrans" cxnId="{6A280A48-D2F9-334D-94B9-987D408E882A}">
+      <dgm:prSet/>
+      <dgm:spPr/>
+      <dgm:t>
+        <a:bodyPr/>
+        <a:lstStyle/>
+        <a:p>
+          <a:endParaRPr lang="en-GB"/>
+        </a:p>
+      </dgm:t>
+    </dgm:pt>
+    <dgm:pt modelId="{03C02B72-6DBF-1946-8A32-EF61280C7085}" type="sibTrans" cxnId="{6A280A48-D2F9-334D-94B9-987D408E882A}">
+      <dgm:prSet/>
+      <dgm:spPr/>
+      <dgm:t>
+        <a:bodyPr/>
+        <a:lstStyle/>
+        <a:p>
+          <a:endParaRPr lang="en-GB"/>
+        </a:p>
+      </dgm:t>
+    </dgm:pt>
+    <dgm:pt modelId="{99DA8592-BF05-9F41-AD72-7DEE37172052}">
+      <dgm:prSet phldrT="[Text]" custT="1"/>
+      <dgm:spPr/>
+      <dgm:t>
+        <a:bodyPr/>
+        <a:lstStyle/>
+        <a:p>
+          <a:r>
+            <a:rPr lang="en-GB" sz="2000" dirty="0"/>
+            <a:t>Free up more time for in-depth analysis</a:t>
+          </a:r>
+        </a:p>
+      </dgm:t>
+    </dgm:pt>
+    <dgm:pt modelId="{79F743CD-281D-F047-8837-9999941FB0B9}" type="parTrans" cxnId="{918C504C-0B75-2B42-8869-57F8A4A1F147}">
+      <dgm:prSet/>
+      <dgm:spPr/>
+      <dgm:t>
+        <a:bodyPr/>
+        <a:lstStyle/>
+        <a:p>
+          <a:endParaRPr lang="en-GB"/>
+        </a:p>
+      </dgm:t>
+    </dgm:pt>
+    <dgm:pt modelId="{13DDB568-0860-3449-9F4E-223452D2E25E}" type="sibTrans" cxnId="{918C504C-0B75-2B42-8869-57F8A4A1F147}">
+      <dgm:prSet/>
+      <dgm:spPr/>
+      <dgm:t>
+        <a:bodyPr/>
+        <a:lstStyle/>
+        <a:p>
+          <a:endParaRPr lang="en-GB"/>
+        </a:p>
+      </dgm:t>
+    </dgm:pt>
+    <dgm:pt modelId="{9806D526-6F1E-AD47-AFAF-A8CDC4344116}">
+      <dgm:prSet phldrT="[Text]" custT="1"/>
+      <dgm:spPr/>
+      <dgm:t>
+        <a:bodyPr/>
+        <a:lstStyle/>
+        <a:p>
+          <a:r>
+            <a:rPr lang="en-GB" sz="2000" dirty="0"/>
+            <a:t>Enable focus on strategic planning and generating insights</a:t>
+          </a:r>
+        </a:p>
+      </dgm:t>
+    </dgm:pt>
+    <dgm:pt modelId="{3FD28F53-40C7-E947-9CA6-CD365DA6C65B}" type="parTrans" cxnId="{50B3B248-25E9-C54D-88FA-3AC1ACB1F2FC}">
+      <dgm:prSet/>
+      <dgm:spPr/>
+      <dgm:t>
+        <a:bodyPr/>
+        <a:lstStyle/>
+        <a:p>
+          <a:endParaRPr lang="en-GB"/>
+        </a:p>
+      </dgm:t>
+    </dgm:pt>
+    <dgm:pt modelId="{DE2B9457-6917-E24A-87ED-00E2DFCE03E6}" type="sibTrans" cxnId="{50B3B248-25E9-C54D-88FA-3AC1ACB1F2FC}">
+      <dgm:prSet/>
+      <dgm:spPr/>
+      <dgm:t>
+        <a:bodyPr/>
+        <a:lstStyle/>
+        <a:p>
+          <a:endParaRPr lang="en-GB"/>
+        </a:p>
+      </dgm:t>
+    </dgm:pt>
+    <dgm:pt modelId="{A747AAE3-CFFA-2B44-BEA1-801B23B6CC82}" type="pres">
+      <dgm:prSet presAssocID="{533AEEAA-F0CF-DA41-809F-3BEDDE026EF6}" presName="rootnode" presStyleCnt="0">
+        <dgm:presLayoutVars>
+          <dgm:chMax/>
+          <dgm:chPref/>
+          <dgm:dir/>
+          <dgm:animLvl val="lvl"/>
+        </dgm:presLayoutVars>
+      </dgm:prSet>
+      <dgm:spPr/>
+    </dgm:pt>
+    <dgm:pt modelId="{8F0F4D20-BA43-5848-9F60-43E4E67BEC24}" type="pres">
+      <dgm:prSet presAssocID="{2BA7CAB9-8E47-5F40-8A36-212E00F5EB11}" presName="composite" presStyleCnt="0"/>
+      <dgm:spPr/>
+    </dgm:pt>
+    <dgm:pt modelId="{A1E02EBC-3FC7-DD47-B1D0-9432A99ABA95}" type="pres">
+      <dgm:prSet presAssocID="{2BA7CAB9-8E47-5F40-8A36-212E00F5EB11}" presName="LShape" presStyleLbl="alignNode1" presStyleIdx="0" presStyleCnt="5"/>
+      <dgm:spPr/>
+    </dgm:pt>
+    <dgm:pt modelId="{1FCFAB84-2565-7643-9118-2C81CC2FE37C}" type="pres">
+      <dgm:prSet presAssocID="{2BA7CAB9-8E47-5F40-8A36-212E00F5EB11}" presName="ParentText" presStyleLbl="revTx" presStyleIdx="0" presStyleCnt="3">
+        <dgm:presLayoutVars>
+          <dgm:chMax val="0"/>
+          <dgm:chPref val="0"/>
+          <dgm:bulletEnabled val="1"/>
+        </dgm:presLayoutVars>
+      </dgm:prSet>
+      <dgm:spPr/>
+    </dgm:pt>
+    <dgm:pt modelId="{66774442-5CCB-0C41-803B-0F5C1B1EB74A}" type="pres">
+      <dgm:prSet presAssocID="{2BA7CAB9-8E47-5F40-8A36-212E00F5EB11}" presName="Triangle" presStyleLbl="alignNode1" presStyleIdx="1" presStyleCnt="5"/>
+      <dgm:spPr/>
+    </dgm:pt>
+    <dgm:pt modelId="{1BC52B5C-55A1-0542-8268-D487E60C5FFB}" type="pres">
+      <dgm:prSet presAssocID="{03C02B72-6DBF-1946-8A32-EF61280C7085}" presName="sibTrans" presStyleCnt="0"/>
+      <dgm:spPr/>
+    </dgm:pt>
+    <dgm:pt modelId="{1FC8F61A-5105-D142-A3AA-DD023DD558D3}" type="pres">
+      <dgm:prSet presAssocID="{03C02B72-6DBF-1946-8A32-EF61280C7085}" presName="space" presStyleCnt="0"/>
+      <dgm:spPr/>
+    </dgm:pt>
+    <dgm:pt modelId="{2600A9DD-0C8B-E342-A377-07F70E2F0C51}" type="pres">
+      <dgm:prSet presAssocID="{99DA8592-BF05-9F41-AD72-7DEE37172052}" presName="composite" presStyleCnt="0"/>
+      <dgm:spPr/>
+    </dgm:pt>
+    <dgm:pt modelId="{DDAF3162-5ED3-C541-89F0-F05BE0E45146}" type="pres">
+      <dgm:prSet presAssocID="{99DA8592-BF05-9F41-AD72-7DEE37172052}" presName="LShape" presStyleLbl="alignNode1" presStyleIdx="2" presStyleCnt="5"/>
+      <dgm:spPr/>
+    </dgm:pt>
+    <dgm:pt modelId="{4B89DA6B-3DCB-A94D-BA07-F64D267E0C7A}" type="pres">
+      <dgm:prSet presAssocID="{99DA8592-BF05-9F41-AD72-7DEE37172052}" presName="ParentText" presStyleLbl="revTx" presStyleIdx="1" presStyleCnt="3">
+        <dgm:presLayoutVars>
+          <dgm:chMax val="0"/>
+          <dgm:chPref val="0"/>
+          <dgm:bulletEnabled val="1"/>
+        </dgm:presLayoutVars>
+      </dgm:prSet>
+      <dgm:spPr/>
+    </dgm:pt>
+    <dgm:pt modelId="{965DAEA0-6C1C-954D-A7CD-93B6C89DE31D}" type="pres">
+      <dgm:prSet presAssocID="{99DA8592-BF05-9F41-AD72-7DEE37172052}" presName="Triangle" presStyleLbl="alignNode1" presStyleIdx="3" presStyleCnt="5"/>
+      <dgm:spPr/>
+    </dgm:pt>
+    <dgm:pt modelId="{267BA45D-F66B-444F-93B1-8F1D3C7733B5}" type="pres">
+      <dgm:prSet presAssocID="{13DDB568-0860-3449-9F4E-223452D2E25E}" presName="sibTrans" presStyleCnt="0"/>
+      <dgm:spPr/>
+    </dgm:pt>
+    <dgm:pt modelId="{13FF82E3-6D63-C446-8202-5A511968FF9C}" type="pres">
+      <dgm:prSet presAssocID="{13DDB568-0860-3449-9F4E-223452D2E25E}" presName="space" presStyleCnt="0"/>
+      <dgm:spPr/>
+    </dgm:pt>
+    <dgm:pt modelId="{CC74DB4F-4A61-F440-9603-728B21E406FC}" type="pres">
+      <dgm:prSet presAssocID="{9806D526-6F1E-AD47-AFAF-A8CDC4344116}" presName="composite" presStyleCnt="0"/>
+      <dgm:spPr/>
+    </dgm:pt>
+    <dgm:pt modelId="{A16606FF-0F67-A14E-88C8-61EFC978CC91}" type="pres">
+      <dgm:prSet presAssocID="{9806D526-6F1E-AD47-AFAF-A8CDC4344116}" presName="LShape" presStyleLbl="alignNode1" presStyleIdx="4" presStyleCnt="5"/>
+      <dgm:spPr/>
+    </dgm:pt>
+    <dgm:pt modelId="{3BF7870A-88F4-614D-94DD-E9B92CDC9256}" type="pres">
+      <dgm:prSet presAssocID="{9806D526-6F1E-AD47-AFAF-A8CDC4344116}" presName="ParentText" presStyleLbl="revTx" presStyleIdx="2" presStyleCnt="3">
+        <dgm:presLayoutVars>
+          <dgm:chMax val="0"/>
+          <dgm:chPref val="0"/>
+          <dgm:bulletEnabled val="1"/>
+        </dgm:presLayoutVars>
+      </dgm:prSet>
+      <dgm:spPr/>
+    </dgm:pt>
+  </dgm:ptLst>
+  <dgm:cxnLst>
+    <dgm:cxn modelId="{6FBE310B-676D-814A-B624-38F3AD2E3A11}" type="presOf" srcId="{2BA7CAB9-8E47-5F40-8A36-212E00F5EB11}" destId="{1FCFAB84-2565-7643-9118-2C81CC2FE37C}" srcOrd="0" destOrd="0" presId="urn:microsoft.com/office/officeart/2009/3/layout/StepUpProcess"/>
+    <dgm:cxn modelId="{C098892E-5EE0-6B4E-AF7B-BB74D52AA55E}" type="presOf" srcId="{533AEEAA-F0CF-DA41-809F-3BEDDE026EF6}" destId="{A747AAE3-CFFA-2B44-BEA1-801B23B6CC82}" srcOrd="0" destOrd="0" presId="urn:microsoft.com/office/officeart/2009/3/layout/StepUpProcess"/>
+    <dgm:cxn modelId="{6A280A48-D2F9-334D-94B9-987D408E882A}" srcId="{533AEEAA-F0CF-DA41-809F-3BEDDE026EF6}" destId="{2BA7CAB9-8E47-5F40-8A36-212E00F5EB11}" srcOrd="0" destOrd="0" parTransId="{5D031E1F-0D76-9442-8383-8B52B8403092}" sibTransId="{03C02B72-6DBF-1946-8A32-EF61280C7085}"/>
+    <dgm:cxn modelId="{50B3B248-25E9-C54D-88FA-3AC1ACB1F2FC}" srcId="{533AEEAA-F0CF-DA41-809F-3BEDDE026EF6}" destId="{9806D526-6F1E-AD47-AFAF-A8CDC4344116}" srcOrd="2" destOrd="0" parTransId="{3FD28F53-40C7-E947-9CA6-CD365DA6C65B}" sibTransId="{DE2B9457-6917-E24A-87ED-00E2DFCE03E6}"/>
+    <dgm:cxn modelId="{129BD049-241B-654C-B783-4A9F989F5D59}" type="presOf" srcId="{99DA8592-BF05-9F41-AD72-7DEE37172052}" destId="{4B89DA6B-3DCB-A94D-BA07-F64D267E0C7A}" srcOrd="0" destOrd="0" presId="urn:microsoft.com/office/officeart/2009/3/layout/StepUpProcess"/>
+    <dgm:cxn modelId="{918C504C-0B75-2B42-8869-57F8A4A1F147}" srcId="{533AEEAA-F0CF-DA41-809F-3BEDDE026EF6}" destId="{99DA8592-BF05-9F41-AD72-7DEE37172052}" srcOrd="1" destOrd="0" parTransId="{79F743CD-281D-F047-8837-9999941FB0B9}" sibTransId="{13DDB568-0860-3449-9F4E-223452D2E25E}"/>
+    <dgm:cxn modelId="{06F81DE9-546A-1343-9853-1AFBD757A650}" type="presOf" srcId="{9806D526-6F1E-AD47-AFAF-A8CDC4344116}" destId="{3BF7870A-88F4-614D-94DD-E9B92CDC9256}" srcOrd="0" destOrd="0" presId="urn:microsoft.com/office/officeart/2009/3/layout/StepUpProcess"/>
+    <dgm:cxn modelId="{6B1DB256-F58C-7641-8F45-532350407196}" type="presParOf" srcId="{A747AAE3-CFFA-2B44-BEA1-801B23B6CC82}" destId="{8F0F4D20-BA43-5848-9F60-43E4E67BEC24}" srcOrd="0" destOrd="0" presId="urn:microsoft.com/office/officeart/2009/3/layout/StepUpProcess"/>
+    <dgm:cxn modelId="{9C6C7889-8A30-3D4E-854B-182A95DF06B0}" type="presParOf" srcId="{8F0F4D20-BA43-5848-9F60-43E4E67BEC24}" destId="{A1E02EBC-3FC7-DD47-B1D0-9432A99ABA95}" srcOrd="0" destOrd="0" presId="urn:microsoft.com/office/officeart/2009/3/layout/StepUpProcess"/>
+    <dgm:cxn modelId="{DB8361CA-E2EE-1B47-8CD3-A5E2F0DF0CF4}" type="presParOf" srcId="{8F0F4D20-BA43-5848-9F60-43E4E67BEC24}" destId="{1FCFAB84-2565-7643-9118-2C81CC2FE37C}" srcOrd="1" destOrd="0" presId="urn:microsoft.com/office/officeart/2009/3/layout/StepUpProcess"/>
+    <dgm:cxn modelId="{EAF855FC-CFBE-A64D-A39E-F96D5797AFEB}" type="presParOf" srcId="{8F0F4D20-BA43-5848-9F60-43E4E67BEC24}" destId="{66774442-5CCB-0C41-803B-0F5C1B1EB74A}" srcOrd="2" destOrd="0" presId="urn:microsoft.com/office/officeart/2009/3/layout/StepUpProcess"/>
+    <dgm:cxn modelId="{33E0F9E9-EA3B-524E-B580-AAD27A658978}" type="presParOf" srcId="{A747AAE3-CFFA-2B44-BEA1-801B23B6CC82}" destId="{1BC52B5C-55A1-0542-8268-D487E60C5FFB}" srcOrd="1" destOrd="0" presId="urn:microsoft.com/office/officeart/2009/3/layout/StepUpProcess"/>
+    <dgm:cxn modelId="{3723A3DC-E0B5-B342-823E-6FA6549634DA}" type="presParOf" srcId="{1BC52B5C-55A1-0542-8268-D487E60C5FFB}" destId="{1FC8F61A-5105-D142-A3AA-DD023DD558D3}" srcOrd="0" destOrd="0" presId="urn:microsoft.com/office/officeart/2009/3/layout/StepUpProcess"/>
+    <dgm:cxn modelId="{C0ECB8A3-D722-D345-AEB4-3107C3FC880C}" type="presParOf" srcId="{A747AAE3-CFFA-2B44-BEA1-801B23B6CC82}" destId="{2600A9DD-0C8B-E342-A377-07F70E2F0C51}" srcOrd="2" destOrd="0" presId="urn:microsoft.com/office/officeart/2009/3/layout/StepUpProcess"/>
+    <dgm:cxn modelId="{B673CC47-0196-C049-AE4A-706544471A67}" type="presParOf" srcId="{2600A9DD-0C8B-E342-A377-07F70E2F0C51}" destId="{DDAF3162-5ED3-C541-89F0-F05BE0E45146}" srcOrd="0" destOrd="0" presId="urn:microsoft.com/office/officeart/2009/3/layout/StepUpProcess"/>
+    <dgm:cxn modelId="{DAC0DF40-5481-D74F-8BC5-BDCADE0A5105}" type="presParOf" srcId="{2600A9DD-0C8B-E342-A377-07F70E2F0C51}" destId="{4B89DA6B-3DCB-A94D-BA07-F64D267E0C7A}" srcOrd="1" destOrd="0" presId="urn:microsoft.com/office/officeart/2009/3/layout/StepUpProcess"/>
+    <dgm:cxn modelId="{641ED8FA-E256-E741-A32C-A8C3A4A9E255}" type="presParOf" srcId="{2600A9DD-0C8B-E342-A377-07F70E2F0C51}" destId="{965DAEA0-6C1C-954D-A7CD-93B6C89DE31D}" srcOrd="2" destOrd="0" presId="urn:microsoft.com/office/officeart/2009/3/layout/StepUpProcess"/>
+    <dgm:cxn modelId="{CDB7B3AC-35AC-C647-8F40-763E9D64B913}" type="presParOf" srcId="{A747AAE3-CFFA-2B44-BEA1-801B23B6CC82}" destId="{267BA45D-F66B-444F-93B1-8F1D3C7733B5}" srcOrd="3" destOrd="0" presId="urn:microsoft.com/office/officeart/2009/3/layout/StepUpProcess"/>
+    <dgm:cxn modelId="{3197EF0B-E3D6-F049-994A-7A3CAF198A1A}" type="presParOf" srcId="{267BA45D-F66B-444F-93B1-8F1D3C7733B5}" destId="{13FF82E3-6D63-C446-8202-5A511968FF9C}" srcOrd="0" destOrd="0" presId="urn:microsoft.com/office/officeart/2009/3/layout/StepUpProcess"/>
+    <dgm:cxn modelId="{2AD95368-F362-BF42-AD52-B0023F7D7E61}" type="presParOf" srcId="{A747AAE3-CFFA-2B44-BEA1-801B23B6CC82}" destId="{CC74DB4F-4A61-F440-9603-728B21E406FC}" srcOrd="4" destOrd="0" presId="urn:microsoft.com/office/officeart/2009/3/layout/StepUpProcess"/>
+    <dgm:cxn modelId="{A03E6733-3527-7144-A0A9-49EB2BD7063C}" type="presParOf" srcId="{CC74DB4F-4A61-F440-9603-728B21E406FC}" destId="{A16606FF-0F67-A14E-88C8-61EFC978CC91}" srcOrd="0" destOrd="0" presId="urn:microsoft.com/office/officeart/2009/3/layout/StepUpProcess"/>
+    <dgm:cxn modelId="{7D931E91-EC8D-A049-9FB1-DE0E6363C9FE}" type="presParOf" srcId="{CC74DB4F-4A61-F440-9603-728B21E406FC}" destId="{3BF7870A-88F4-614D-94DD-E9B92CDC9256}" srcOrd="1" destOrd="0" presId="urn:microsoft.com/office/officeart/2009/3/layout/StepUpProcess"/>
+  </dgm:cxnLst>
+  <dgm:bg/>
+  <dgm:whole/>
+  <dgm:extLst>
+    <a:ext uri="http://schemas.microsoft.com/office/drawing/2008/diagram">
+      <dsp:dataModelExt xmlns:dsp="http://schemas.microsoft.com/office/drawing/2008/diagram" relId="rId6" minVer="http://schemas.openxmlformats.org/drawingml/2006/diagram"/>
+    </a:ext>
+  </dgm:extLst>
+</dgm:dataModel>
+</file>
+
+<file path=ppt/diagrams/drawing1.xml><?xml version="1.0" encoding="utf-8"?>
+<dsp:drawing xmlns:dgm="http://schemas.openxmlformats.org/drawingml/2006/diagram" xmlns:dsp="http://schemas.microsoft.com/office/drawing/2008/diagram" xmlns:a="http://schemas.openxmlformats.org/drawingml/2006/main">
+  <dsp:spTree>
+    <dsp:nvGrpSpPr>
+      <dsp:cNvPr id="0" name=""/>
+      <dsp:cNvGrpSpPr/>
+    </dsp:nvGrpSpPr>
+    <dsp:grpSpPr/>
+    <dsp:sp modelId="{A1E02EBC-3FC7-DD47-B1D0-9432A99ABA95}">
+      <dsp:nvSpPr>
+        <dsp:cNvPr id="0" name=""/>
+        <dsp:cNvSpPr/>
+      </dsp:nvSpPr>
+      <dsp:spPr>
+        <a:xfrm rot="5400000">
+          <a:off x="507673" y="1770520"/>
+          <a:ext cx="1519334" cy="2528139"/>
+        </a:xfrm>
+        <a:prstGeom prst="corner">
+          <a:avLst>
+            <a:gd name="adj1" fmla="val 16120"/>
+            <a:gd name="adj2" fmla="val 16110"/>
+          </a:avLst>
+        </a:prstGeom>
+        <a:solidFill>
+          <a:schemeClr val="accent1">
+            <a:hueOff val="0"/>
+            <a:satOff val="0"/>
+            <a:lumOff val="0"/>
+            <a:alphaOff val="0"/>
+          </a:schemeClr>
+        </a:solidFill>
+        <a:ln w="19050" cap="flat" cmpd="sng" algn="ctr">
+          <a:solidFill>
+            <a:schemeClr val="accent1">
+              <a:hueOff val="0"/>
+              <a:satOff val="0"/>
+              <a:lumOff val="0"/>
+              <a:alphaOff val="0"/>
+            </a:schemeClr>
+          </a:solidFill>
+          <a:prstDash val="solid"/>
+          <a:miter lim="800000"/>
+        </a:ln>
+        <a:effectLst/>
+      </dsp:spPr>
+      <dsp:style>
+        <a:lnRef idx="2">
+          <a:scrgbClr r="0" g="0" b="0"/>
+        </a:lnRef>
+        <a:fillRef idx="1">
+          <a:scrgbClr r="0" g="0" b="0"/>
+        </a:fillRef>
+        <a:effectRef idx="0">
+          <a:scrgbClr r="0" g="0" b="0"/>
+        </a:effectRef>
+        <a:fontRef idx="minor">
+          <a:schemeClr val="lt1"/>
+        </a:fontRef>
+      </dsp:style>
+    </dsp:sp>
+    <dsp:sp modelId="{1FCFAB84-2565-7643-9118-2C81CC2FE37C}">
+      <dsp:nvSpPr>
+        <dsp:cNvPr id="0" name=""/>
+        <dsp:cNvSpPr/>
+      </dsp:nvSpPr>
+      <dsp:spPr>
+        <a:xfrm>
+          <a:off x="254058" y="2525889"/>
+          <a:ext cx="2282418" cy="2000673"/>
+        </a:xfrm>
+        <a:prstGeom prst="rect">
+          <a:avLst/>
+        </a:prstGeom>
+        <a:noFill/>
+        <a:ln>
+          <a:noFill/>
+        </a:ln>
+        <a:effectLst/>
+      </dsp:spPr>
+      <dsp:style>
+        <a:lnRef idx="0">
+          <a:scrgbClr r="0" g="0" b="0"/>
+        </a:lnRef>
+        <a:fillRef idx="0">
+          <a:scrgbClr r="0" g="0" b="0"/>
+        </a:fillRef>
+        <a:effectRef idx="0">
+          <a:scrgbClr r="0" g="0" b="0"/>
+        </a:effectRef>
+        <a:fontRef idx="minor"/>
+      </dsp:style>
+      <dsp:txBody>
+        <a:bodyPr spcFirstLastPara="0" vert="horz" wrap="square" lIns="76200" tIns="76200" rIns="76200" bIns="76200" numCol="1" spcCol="1270" anchor="t" anchorCtr="0">
+          <a:noAutofit/>
+        </a:bodyPr>
+        <a:lstStyle/>
+        <a:p>
+          <a:pPr marL="0" lvl="0" indent="0" algn="l" defTabSz="889000">
+            <a:lnSpc>
+              <a:spcPct val="90000"/>
+            </a:lnSpc>
+            <a:spcBef>
+              <a:spcPct val="0"/>
+            </a:spcBef>
+            <a:spcAft>
+              <a:spcPct val="35000"/>
+            </a:spcAft>
+            <a:buNone/>
+          </a:pPr>
+          <a:r>
+            <a:rPr lang="en-GB" sz="2000" kern="1200" dirty="0"/>
+            <a:t>Improve efficiency by reducing manual data collection</a:t>
+          </a:r>
+        </a:p>
+      </dsp:txBody>
+      <dsp:txXfrm>
+        <a:off x="254058" y="2525889"/>
+        <a:ext cx="2282418" cy="2000673"/>
+      </dsp:txXfrm>
+    </dsp:sp>
+    <dsp:sp modelId="{66774442-5CCB-0C41-803B-0F5C1B1EB74A}">
+      <dsp:nvSpPr>
+        <dsp:cNvPr id="0" name=""/>
+        <dsp:cNvSpPr/>
+      </dsp:nvSpPr>
+      <dsp:spPr>
+        <a:xfrm>
+          <a:off x="2105832" y="1584396"/>
+          <a:ext cx="430644" cy="430644"/>
+        </a:xfrm>
+        <a:prstGeom prst="triangle">
+          <a:avLst>
+            <a:gd name="adj" fmla="val 100000"/>
+          </a:avLst>
+        </a:prstGeom>
+        <a:solidFill>
+          <a:schemeClr val="accent1">
+            <a:hueOff val="0"/>
+            <a:satOff val="0"/>
+            <a:lumOff val="0"/>
+            <a:alphaOff val="0"/>
+          </a:schemeClr>
+        </a:solidFill>
+        <a:ln w="19050" cap="flat" cmpd="sng" algn="ctr">
+          <a:solidFill>
+            <a:schemeClr val="accent1">
+              <a:hueOff val="0"/>
+              <a:satOff val="0"/>
+              <a:lumOff val="0"/>
+              <a:alphaOff val="0"/>
+            </a:schemeClr>
+          </a:solidFill>
+          <a:prstDash val="solid"/>
+          <a:miter lim="800000"/>
+        </a:ln>
+        <a:effectLst/>
+      </dsp:spPr>
+      <dsp:style>
+        <a:lnRef idx="2">
+          <a:scrgbClr r="0" g="0" b="0"/>
+        </a:lnRef>
+        <a:fillRef idx="1">
+          <a:scrgbClr r="0" g="0" b="0"/>
+        </a:fillRef>
+        <a:effectRef idx="0">
+          <a:scrgbClr r="0" g="0" b="0"/>
+        </a:effectRef>
+        <a:fontRef idx="minor">
+          <a:schemeClr val="lt1"/>
+        </a:fontRef>
+      </dsp:style>
+    </dsp:sp>
+    <dsp:sp modelId="{DDAF3162-5ED3-C541-89F0-F05BE0E45146}">
+      <dsp:nvSpPr>
+        <dsp:cNvPr id="0" name=""/>
+        <dsp:cNvSpPr/>
+      </dsp:nvSpPr>
+      <dsp:spPr>
+        <a:xfrm rot="5400000">
+          <a:off x="3301799" y="1079111"/>
+          <a:ext cx="1519334" cy="2528139"/>
+        </a:xfrm>
+        <a:prstGeom prst="corner">
+          <a:avLst>
+            <a:gd name="adj1" fmla="val 16120"/>
+            <a:gd name="adj2" fmla="val 16110"/>
+          </a:avLst>
+        </a:prstGeom>
+        <a:solidFill>
+          <a:schemeClr val="accent1">
+            <a:hueOff val="0"/>
+            <a:satOff val="0"/>
+            <a:lumOff val="0"/>
+            <a:alphaOff val="0"/>
+          </a:schemeClr>
+        </a:solidFill>
+        <a:ln w="19050" cap="flat" cmpd="sng" algn="ctr">
+          <a:solidFill>
+            <a:schemeClr val="accent1">
+              <a:hueOff val="0"/>
+              <a:satOff val="0"/>
+              <a:lumOff val="0"/>
+              <a:alphaOff val="0"/>
+            </a:schemeClr>
+          </a:solidFill>
+          <a:prstDash val="solid"/>
+          <a:miter lim="800000"/>
+        </a:ln>
+        <a:effectLst/>
+      </dsp:spPr>
+      <dsp:style>
+        <a:lnRef idx="2">
+          <a:scrgbClr r="0" g="0" b="0"/>
+        </a:lnRef>
+        <a:fillRef idx="1">
+          <a:scrgbClr r="0" g="0" b="0"/>
+        </a:fillRef>
+        <a:effectRef idx="0">
+          <a:scrgbClr r="0" g="0" b="0"/>
+        </a:effectRef>
+        <a:fontRef idx="minor">
+          <a:schemeClr val="lt1"/>
+        </a:fontRef>
+      </dsp:style>
+    </dsp:sp>
+    <dsp:sp modelId="{4B89DA6B-3DCB-A94D-BA07-F64D267E0C7A}">
+      <dsp:nvSpPr>
+        <dsp:cNvPr id="0" name=""/>
+        <dsp:cNvSpPr/>
+      </dsp:nvSpPr>
+      <dsp:spPr>
+        <a:xfrm>
+          <a:off x="3048184" y="1834480"/>
+          <a:ext cx="2282418" cy="2000673"/>
+        </a:xfrm>
+        <a:prstGeom prst="rect">
+          <a:avLst/>
+        </a:prstGeom>
+        <a:noFill/>
+        <a:ln>
+          <a:noFill/>
+        </a:ln>
+        <a:effectLst/>
+      </dsp:spPr>
+      <dsp:style>
+        <a:lnRef idx="0">
+          <a:scrgbClr r="0" g="0" b="0"/>
+        </a:lnRef>
+        <a:fillRef idx="0">
+          <a:scrgbClr r="0" g="0" b="0"/>
+        </a:fillRef>
+        <a:effectRef idx="0">
+          <a:scrgbClr r="0" g="0" b="0"/>
+        </a:effectRef>
+        <a:fontRef idx="minor"/>
+      </dsp:style>
+      <dsp:txBody>
+        <a:bodyPr spcFirstLastPara="0" vert="horz" wrap="square" lIns="76200" tIns="76200" rIns="76200" bIns="76200" numCol="1" spcCol="1270" anchor="t" anchorCtr="0">
+          <a:noAutofit/>
+        </a:bodyPr>
+        <a:lstStyle/>
+        <a:p>
+          <a:pPr marL="0" lvl="0" indent="0" algn="l" defTabSz="889000">
+            <a:lnSpc>
+              <a:spcPct val="90000"/>
+            </a:lnSpc>
+            <a:spcBef>
+              <a:spcPct val="0"/>
+            </a:spcBef>
+            <a:spcAft>
+              <a:spcPct val="35000"/>
+            </a:spcAft>
+            <a:buNone/>
+          </a:pPr>
+          <a:r>
+            <a:rPr lang="en-GB" sz="2000" kern="1200" dirty="0"/>
+            <a:t>Free up more time for in-depth analysis</a:t>
+          </a:r>
+        </a:p>
+      </dsp:txBody>
+      <dsp:txXfrm>
+        <a:off x="3048184" y="1834480"/>
+        <a:ext cx="2282418" cy="2000673"/>
+      </dsp:txXfrm>
+    </dsp:sp>
+    <dsp:sp modelId="{965DAEA0-6C1C-954D-A7CD-93B6C89DE31D}">
+      <dsp:nvSpPr>
+        <dsp:cNvPr id="0" name=""/>
+        <dsp:cNvSpPr/>
+      </dsp:nvSpPr>
+      <dsp:spPr>
+        <a:xfrm>
+          <a:off x="4899957" y="892986"/>
+          <a:ext cx="430644" cy="430644"/>
+        </a:xfrm>
+        <a:prstGeom prst="triangle">
+          <a:avLst>
+            <a:gd name="adj" fmla="val 100000"/>
+          </a:avLst>
+        </a:prstGeom>
+        <a:solidFill>
+          <a:schemeClr val="accent1">
+            <a:hueOff val="0"/>
+            <a:satOff val="0"/>
+            <a:lumOff val="0"/>
+            <a:alphaOff val="0"/>
+          </a:schemeClr>
+        </a:solidFill>
+        <a:ln w="19050" cap="flat" cmpd="sng" algn="ctr">
+          <a:solidFill>
+            <a:schemeClr val="accent1">
+              <a:hueOff val="0"/>
+              <a:satOff val="0"/>
+              <a:lumOff val="0"/>
+              <a:alphaOff val="0"/>
+            </a:schemeClr>
+          </a:solidFill>
+          <a:prstDash val="solid"/>
+          <a:miter lim="800000"/>
+        </a:ln>
+        <a:effectLst/>
+      </dsp:spPr>
+      <dsp:style>
+        <a:lnRef idx="2">
+          <a:scrgbClr r="0" g="0" b="0"/>
+        </a:lnRef>
+        <a:fillRef idx="1">
+          <a:scrgbClr r="0" g="0" b="0"/>
+        </a:fillRef>
+        <a:effectRef idx="0">
+          <a:scrgbClr r="0" g="0" b="0"/>
+        </a:effectRef>
+        <a:fontRef idx="minor">
+          <a:schemeClr val="lt1"/>
+        </a:fontRef>
+      </dsp:style>
+    </dsp:sp>
+    <dsp:sp modelId="{A16606FF-0F67-A14E-88C8-61EFC978CC91}">
+      <dsp:nvSpPr>
+        <dsp:cNvPr id="0" name=""/>
+        <dsp:cNvSpPr/>
+      </dsp:nvSpPr>
+      <dsp:spPr>
+        <a:xfrm rot="5400000">
+          <a:off x="6095925" y="387702"/>
+          <a:ext cx="1519334" cy="2528139"/>
+        </a:xfrm>
+        <a:prstGeom prst="corner">
+          <a:avLst>
+            <a:gd name="adj1" fmla="val 16120"/>
+            <a:gd name="adj2" fmla="val 16110"/>
+          </a:avLst>
+        </a:prstGeom>
+        <a:solidFill>
+          <a:schemeClr val="accent1">
+            <a:hueOff val="0"/>
+            <a:satOff val="0"/>
+            <a:lumOff val="0"/>
+            <a:alphaOff val="0"/>
+          </a:schemeClr>
+        </a:solidFill>
+        <a:ln w="19050" cap="flat" cmpd="sng" algn="ctr">
+          <a:solidFill>
+            <a:schemeClr val="accent1">
+              <a:hueOff val="0"/>
+              <a:satOff val="0"/>
+              <a:lumOff val="0"/>
+              <a:alphaOff val="0"/>
+            </a:schemeClr>
+          </a:solidFill>
+          <a:prstDash val="solid"/>
+          <a:miter lim="800000"/>
+        </a:ln>
+        <a:effectLst/>
+      </dsp:spPr>
+      <dsp:style>
+        <a:lnRef idx="2">
+          <a:scrgbClr r="0" g="0" b="0"/>
+        </a:lnRef>
+        <a:fillRef idx="1">
+          <a:scrgbClr r="0" g="0" b="0"/>
+        </a:fillRef>
+        <a:effectRef idx="0">
+          <a:scrgbClr r="0" g="0" b="0"/>
+        </a:effectRef>
+        <a:fontRef idx="minor">
+          <a:schemeClr val="lt1"/>
+        </a:fontRef>
+      </dsp:style>
+    </dsp:sp>
+    <dsp:sp modelId="{3BF7870A-88F4-614D-94DD-E9B92CDC9256}">
+      <dsp:nvSpPr>
+        <dsp:cNvPr id="0" name=""/>
+        <dsp:cNvSpPr/>
+      </dsp:nvSpPr>
+      <dsp:spPr>
+        <a:xfrm>
+          <a:off x="5842310" y="1143070"/>
+          <a:ext cx="2282418" cy="2000673"/>
+        </a:xfrm>
+        <a:prstGeom prst="rect">
+          <a:avLst/>
+        </a:prstGeom>
+        <a:noFill/>
+        <a:ln>
+          <a:noFill/>
+        </a:ln>
+        <a:effectLst/>
+      </dsp:spPr>
+      <dsp:style>
+        <a:lnRef idx="0">
+          <a:scrgbClr r="0" g="0" b="0"/>
+        </a:lnRef>
+        <a:fillRef idx="0">
+          <a:scrgbClr r="0" g="0" b="0"/>
+        </a:fillRef>
+        <a:effectRef idx="0">
+          <a:scrgbClr r="0" g="0" b="0"/>
+        </a:effectRef>
+        <a:fontRef idx="minor"/>
+      </dsp:style>
+      <dsp:txBody>
+        <a:bodyPr spcFirstLastPara="0" vert="horz" wrap="square" lIns="76200" tIns="76200" rIns="76200" bIns="76200" numCol="1" spcCol="1270" anchor="t" anchorCtr="0">
+          <a:noAutofit/>
+        </a:bodyPr>
+        <a:lstStyle/>
+        <a:p>
+          <a:pPr marL="0" lvl="0" indent="0" algn="l" defTabSz="889000">
+            <a:lnSpc>
+              <a:spcPct val="90000"/>
+            </a:lnSpc>
+            <a:spcBef>
+              <a:spcPct val="0"/>
+            </a:spcBef>
+            <a:spcAft>
+              <a:spcPct val="35000"/>
+            </a:spcAft>
+            <a:buNone/>
+          </a:pPr>
+          <a:r>
+            <a:rPr lang="en-GB" sz="2000" kern="1200" dirty="0"/>
+            <a:t>Enable focus on strategic planning and generating insights</a:t>
+          </a:r>
+        </a:p>
+      </dsp:txBody>
+      <dsp:txXfrm>
+        <a:off x="5842310" y="1143070"/>
+        <a:ext cx="2282418" cy="2000673"/>
+      </dsp:txXfrm>
+    </dsp:sp>
+  </dsp:spTree>
+</dsp:drawing>
+</file>
+
+<file path=ppt/diagrams/layout1.xml><?xml version="1.0" encoding="utf-8"?>
+<dgm:layoutDef xmlns:dgm="http://schemas.openxmlformats.org/drawingml/2006/diagram" xmlns:a="http://schemas.openxmlformats.org/drawingml/2006/main" uniqueId="urn:microsoft.com/office/officeart/2009/3/layout/StepUpProcess">
+  <dgm:title val=""/>
+  <dgm:desc val=""/>
+  <dgm:catLst>
+    <dgm:cat type="process" pri="1300"/>
+  </dgm:catLst>
+  <dgm:sampData>
+    <dgm:dataModel>
+      <dgm:ptLst>
+        <dgm:pt modelId="0" type="doc"/>
+        <dgm:pt modelId="10">
+          <dgm:prSet phldr="1"/>
+        </dgm:pt>
+        <dgm:pt modelId="20">
+          <dgm:prSet phldr="1"/>
+        </dgm:pt>
+        <dgm:pt modelId="30">
+          <dgm:prSet phldr="1"/>
+        </dgm:pt>
+      </dgm:ptLst>
+      <dgm:cxnLst>
+        <dgm:cxn modelId="60" srcId="0" destId="10" srcOrd="0" destOrd="0"/>
+        <dgm:cxn modelId="70" srcId="0" destId="20" srcOrd="1" destOrd="0"/>
+        <dgm:cxn modelId="80" srcId="0" destId="30" srcOrd="2" destOrd="0"/>
+      </dgm:cxnLst>
+      <dgm:bg/>
+      <dgm:whole/>
+    </dgm:dataModel>
+  </dgm:sampData>
+  <dgm:styleData>
+    <dgm:dataModel>
+      <dgm:ptLst>
+        <dgm:pt modelId="0" type="doc"/>
+        <dgm:pt modelId="10">
+          <dgm:prSet phldr="1"/>
+        </dgm:pt>
+        <dgm:pt modelId="20">
+          <dgm:prSet phldr="1"/>
+        </dgm:pt>
+      </dgm:ptLst>
+      <dgm:cxnLst>
+        <dgm:cxn modelId="60" srcId="0" destId="10" srcOrd="0" destOrd="0"/>
+        <dgm:cxn modelId="70" srcId="0" destId="20" srcOrd="1" destOrd="0"/>
+      </dgm:cxnLst>
+      <dgm:bg/>
+      <dgm:whole/>
+    </dgm:dataModel>
+  </dgm:styleData>
+  <dgm:clrData>
+    <dgm:dataModel>
+      <dgm:ptLst>
+        <dgm:pt modelId="0" type="doc"/>
+        <dgm:pt modelId="10">
+          <dgm:prSet phldr="1"/>
+        </dgm:pt>
+        <dgm:pt modelId="20">
+          <dgm:prSet phldr="1"/>
+        </dgm:pt>
+        <dgm:pt modelId="30">
+          <dgm:prSet phldr="1"/>
+        </dgm:pt>
+        <dgm:pt modelId="40">
+          <dgm:prSet phldr="1"/>
+        </dgm:pt>
+      </dgm:ptLst>
+      <dgm:cxnLst>
+        <dgm:cxn modelId="60" srcId="0" destId="10" srcOrd="0" destOrd="0"/>
+        <dgm:cxn modelId="70" srcId="0" destId="20" srcOrd="1" destOrd="0"/>
+        <dgm:cxn modelId="80" srcId="0" destId="30" srcOrd="2" destOrd="0"/>
+        <dgm:cxn modelId="90" srcId="0" destId="40" srcOrd="3" destOrd="0"/>
+      </dgm:cxnLst>
+      <dgm:bg/>
+      <dgm:whole/>
+    </dgm:dataModel>
+  </dgm:clrData>
+  <dgm:layoutNode name="rootnode">
+    <dgm:varLst>
+      <dgm:chMax/>
+      <dgm:chPref/>
+      <dgm:dir/>
+      <dgm:animLvl val="lvl"/>
+    </dgm:varLst>
+    <dgm:choose name="Name0">
+      <dgm:if name="Name1" func="var" arg="dir" op="equ" val="norm">
+        <dgm:alg type="snake">
+          <dgm:param type="grDir" val="bL"/>
+          <dgm:param type="flowDir" val="row"/>
+          <dgm:param type="off" val="off"/>
+          <dgm:param type="bkpt" val="fixed"/>
+          <dgm:param type="bkPtFixedVal" val="1"/>
+        </dgm:alg>
+      </dgm:if>
+      <dgm:else name="Name2">
+        <dgm:alg type="snake">
+          <dgm:param type="grDir" val="bR"/>
+          <dgm:param type="flowDir" val="row"/>
+          <dgm:param type="off" val="off"/>
+          <dgm:param type="bkpt" val="fixed"/>
+          <dgm:param type="bkPtFixedVal" val="1"/>
+        </dgm:alg>
+      </dgm:else>
+    </dgm:choose>
+    <dgm:shape xmlns:r="http://schemas.openxmlformats.org/officeDocument/2006/relationships" r:blip="">
+      <dgm:adjLst/>
+    </dgm:shape>
+    <dgm:constrLst>
+      <dgm:constr type="alignOff" forName="rootnode" val="1"/>
+      <dgm:constr type="primFontSz" for="des" ptType="node" op="equ" val="65"/>
+      <dgm:constr type="w" for="ch" forName="composite" refType="w"/>
+      <dgm:constr type="h" for="ch" forName="composite" refType="h"/>
+      <dgm:constr type="sp" refType="h" refFor="ch" refForName="composite" op="equ" fact="-0.765"/>
+      <dgm:constr type="w" for="ch" forName="sibTrans" refType="w" fact="0.103"/>
+      <dgm:constr type="h" for="ch" forName="sibTrans" refType="h" fact="0.103"/>
+    </dgm:constrLst>
+    <dgm:forEach name="nodesForEach" axis="ch" ptType="node">
+      <dgm:layoutNode name="composite">
+        <dgm:alg type="composite">
+          <dgm:param type="ar" val="0.861"/>
+        </dgm:alg>
+        <dgm:shape xmlns:r="http://schemas.openxmlformats.org/officeDocument/2006/relationships" r:blip="">
+          <dgm:adjLst/>
+        </dgm:shape>
+        <dgm:choose name="Name3">
+          <dgm:if name="Name4" func="var" arg="dir" op="equ" val="norm">
+            <dgm:constrLst>
+              <dgm:constr type="l" for="ch" forName="LShape" refType="w" fact="0"/>
+              <dgm:constr type="t" for="ch" forName="LShape" refType="h" fact="0.2347"/>
+              <dgm:constr type="w" for="ch" forName="LShape" refType="w" fact="0.998"/>
+              <dgm:constr type="h" for="ch" forName="LShape" refType="h" fact="0.5164"/>
+              <dgm:constr type="r" for="ch" forName="ParentText" refType="w"/>
+              <dgm:constr type="t" for="ch" forName="ParentText" refType="h" fact="0.32"/>
+              <dgm:constr type="w" for="ch" forName="ParentText" refType="w" fact="0.901"/>
+              <dgm:constr type="h" for="ch" forName="ParentText" refType="h" fact="0.68"/>
+              <dgm:constr type="l" for="ch" forName="Triangle" refType="w" fact="0.83"/>
+              <dgm:constr type="t" for="ch" forName="Triangle" refType="h" fact="0"/>
+              <dgm:constr type="w" for="ch" forName="Triangle" refType="w" fact="0.17"/>
+              <dgm:constr type="h" for="ch" forName="Triangle" refType="w" refFor="ch" refForName="Triangle"/>
+            </dgm:constrLst>
+          </dgm:if>
+          <dgm:else name="Name5">
+            <dgm:constrLst>
+              <dgm:constr type="l" for="ch" forName="LShape" refType="w" fact="0.002"/>
+              <dgm:constr type="t" for="ch" forName="LShape" refType="h" fact="0.2347"/>
+              <dgm:constr type="w" for="ch" forName="LShape" refType="w"/>
+              <dgm:constr type="h" for="ch" forName="LShape" refType="h" fact="0.5164"/>
+              <dgm:constr type="l" for="ch" forName="ParentText" refType="w" fact="0"/>
+              <dgm:constr type="t" for="ch" forName="ParentText" refType="h" fact="0.32"/>
+              <dgm:constr type="w" for="ch" forName="ParentText" refType="w" fact="0.902"/>
+              <dgm:constr type="h" for="ch" forName="ParentText" refType="h" fact="0.68"/>
+              <dgm:constr type="l" for="ch" forName="Triangle" refType="w" fact="0"/>
+              <dgm:constr type="t" for="ch" forName="Triangle" refType="h" fact="0"/>
+              <dgm:constr type="w" for="ch" forName="Triangle" refType="w" fact="0.17"/>
+              <dgm:constr type="h" for="ch" forName="Triangle" refType="w" refFor="ch" refForName="Triangle"/>
+            </dgm:constrLst>
+          </dgm:else>
+        </dgm:choose>
+        <dgm:layoutNode name="LShape" styleLbl="alignNode1">
+          <dgm:alg type="sp"/>
+          <dgm:choose name="Name6">
+            <dgm:if name="Name7" func="var" arg="dir" op="equ" val="norm">
+              <dgm:shape xmlns:r="http://schemas.openxmlformats.org/officeDocument/2006/relationships" rot="90" type="corner" r:blip="">
+                <dgm:adjLst>
+                  <dgm:adj idx="1" val="0.1612"/>
+                  <dgm:adj idx="2" val="0.1611"/>
+                </dgm:adjLst>
+              </dgm:shape>
+            </dgm:if>
+            <dgm:else name="Name8">
+              <dgm:shape xmlns:r="http://schemas.openxmlformats.org/officeDocument/2006/relationships" rot="180" type="corner" r:blip="">
+                <dgm:adjLst>
+                  <dgm:adj idx="1" val="0.1612"/>
+                  <dgm:adj idx="2" val="0.1611"/>
+                </dgm:adjLst>
+              </dgm:shape>
+            </dgm:else>
+          </dgm:choose>
+          <dgm:presOf/>
+        </dgm:layoutNode>
+        <dgm:layoutNode name="ParentText" styleLbl="revTx">
+          <dgm:varLst>
+            <dgm:chMax val="0"/>
+            <dgm:chPref val="0"/>
+            <dgm:bulletEnabled val="1"/>
+          </dgm:varLst>
+          <dgm:alg type="tx">
+            <dgm:param type="parTxLTRAlign" val="l"/>
+            <dgm:param type="txAnchorVert" val="t"/>
+          </dgm:alg>
+          <dgm:shape xmlns:r="http://schemas.openxmlformats.org/officeDocument/2006/relationships" type="rect" r:blip="">
+            <dgm:adjLst/>
+          </dgm:shape>
+          <dgm:presOf axis="desOrSelf" ptType="node"/>
+          <dgm:constrLst>
+            <dgm:constr type="lMarg" refType="primFontSz" fact="0.3"/>
+            <dgm:constr type="rMarg" refType="primFontSz" fact="0.3"/>
+            <dgm:constr type="tMarg" refType="primFontSz" fact="0.3"/>
+            <dgm:constr type="bMarg" refType="primFontSz" fact="0.3"/>
+          </dgm:constrLst>
+          <dgm:ruleLst>
+            <dgm:rule type="primFontSz" val="5" fact="NaN" max="NaN"/>
+          </dgm:ruleLst>
+        </dgm:layoutNode>
+        <dgm:choose name="Name9">
+          <dgm:if name="Name10" axis="followSib" ptType="node" func="cnt" op="gte" val="1">
+            <dgm:layoutNode name="Triangle" styleLbl="alignNode1">
+              <dgm:alg type="sp"/>
+              <dgm:choose name="Name11">
+                <dgm:if name="Name12" func="var" arg="dir" op="equ" val="norm">
+                  <dgm:shape xmlns:r="http://schemas.openxmlformats.org/officeDocument/2006/relationships" type="triangle" r:blip="">
+                    <dgm:adjLst>
+                      <dgm:adj idx="1" val="1"/>
+                    </dgm:adjLst>
+                  </dgm:shape>
+                </dgm:if>
+                <dgm:else name="Name13">
+                  <dgm:shape xmlns:r="http://schemas.openxmlformats.org/officeDocument/2006/relationships" rot="90" type="triangle" r:blip="">
+                    <dgm:adjLst>
+                      <dgm:adj idx="1" val="1"/>
+                    </dgm:adjLst>
+                  </dgm:shape>
+                </dgm:else>
+              </dgm:choose>
+              <dgm:presOf/>
+            </dgm:layoutNode>
+          </dgm:if>
+          <dgm:else name="Name14"/>
+        </dgm:choose>
+      </dgm:layoutNode>
+      <dgm:forEach name="sibTransForEach" axis="followSib" ptType="sibTrans" cnt="1">
+        <dgm:layoutNode name="sibTrans">
+          <dgm:alg type="composite">
+            <dgm:param type="ar" val="0.861"/>
+          </dgm:alg>
+          <dgm:constrLst>
+            <dgm:constr type="w" for="ch" forName="space" refType="w"/>
+            <dgm:constr type="h" for="ch" forName="space" refType="w"/>
+          </dgm:constrLst>
+          <dgm:layoutNode name="space" styleLbl="alignNode1">
+            <dgm:alg type="sp"/>
+            <dgm:shape xmlns:r="http://schemas.openxmlformats.org/officeDocument/2006/relationships" r:blip="">
+              <dgm:adjLst/>
+            </dgm:shape>
+            <dgm:presOf/>
+          </dgm:layoutNode>
+        </dgm:layoutNode>
+      </dgm:forEach>
+    </dgm:forEach>
+  </dgm:layoutNode>
+</dgm:layoutDef>
+</file>
+
+<file path=ppt/diagrams/quickStyle1.xml><?xml version="1.0" encoding="utf-8"?>
+<dgm:styleDef xmlns:dgm="http://schemas.openxmlformats.org/drawingml/2006/diagram" xmlns:a="http://schemas.openxmlformats.org/drawingml/2006/main" uniqueId="urn:microsoft.com/office/officeart/2005/8/quickstyle/simple1">
+  <dgm:title val=""/>
+  <dgm:desc val=""/>
+  <dgm:catLst>
+    <dgm:cat type="simple" pri="10100"/>
+  </dgm:catLst>
+  <dgm:scene3d>
+    <a:camera prst="orthographicFront"/>
+    <a:lightRig rig="threePt" dir="t"/>
+  </dgm:scene3d>
+  <dgm:styleLbl name="node0">
+    <dgm:scene3d>
+      <a:camera prst="orthographicFront"/>
+      <a:lightRig rig="threePt" dir="t"/>
+    </dgm:scene3d>
+    <dgm:sp3d/>
+    <dgm:txPr/>
+    <dgm:style>
+      <a:lnRef idx="2">
+        <a:scrgbClr r="0" g="0" b="0"/>
+      </a:lnRef>
+      <a:fillRef idx="1">
+        <a:scrgbClr r="0" g="0" b="0"/>
+      </a:fillRef>
+      <a:effectRef idx="0">
+        <a:scrgbClr r="0" g="0" b="0"/>
+      </a:effectRef>
+      <a:fontRef idx="minor">
+        <a:schemeClr val="lt1"/>
+      </a:fontRef>
+    </dgm:style>
+  </dgm:styleLbl>
+  <dgm:styleLbl name="lnNode1">
+    <dgm:scene3d>
+      <a:camera prst="orthographicFront"/>
+      <a:lightRig rig="threePt" dir="t"/>
+    </dgm:scene3d>
+    <dgm:sp3d/>
+    <dgm:txPr/>
+    <dgm:style>
+      <a:lnRef idx="2">
+        <a:scrgbClr r="0" g="0" b="0"/>
+      </a:lnRef>
+      <a:fillRef idx="1">
+        <a:scrgbClr r="0" g="0" b="0"/>
+      </a:fillRef>
+      <a:effectRef idx="0">
+        <a:scrgbClr r="0" g="0" b="0"/>
+      </a:effectRef>
+      <a:fontRef idx="minor">
+        <a:schemeClr val="lt1"/>
+      </a:fontRef>
+    </dgm:style>
+  </dgm:styleLbl>
+  <dgm:styleLbl name="vennNode1">
+    <dgm:scene3d>
+      <a:camera prst="orthographicFront"/>
+      <a:lightRig rig="threePt" dir="t"/>
+    </dgm:scene3d>
+    <dgm:sp3d/>
+    <dgm:txPr/>
+    <dgm:style>
+      <a:lnRef idx="2">
+        <a:scrgbClr r="0" g="0" b="0"/>
+      </a:lnRef>
+      <a:fillRef idx="1">
+        <a:scrgbClr r="0" g="0" b="0"/>
+      </a:fillRef>
+      <a:effectRef idx="0">
+        <a:scrgbClr r="0" g="0" b="0"/>
+      </a:effectRef>
+      <a:fontRef idx="minor">
+        <a:schemeClr val="tx1"/>
+      </a:fontRef>
+    </dgm:style>
+  </dgm:styleLbl>
+  <dgm:styleLbl name="alignNode1">
+    <dgm:scene3d>
+      <a:camera prst="orthographicFront"/>
+      <a:lightRig rig="threePt" dir="t"/>
+    </dgm:scene3d>
+    <dgm:sp3d/>
+    <dgm:txPr/>
+    <dgm:style>
+      <a:lnRef idx="2">
+        <a:scrgbClr r="0" g="0" b="0"/>
+      </a:lnRef>
+      <a:fillRef idx="1">
+        <a:scrgbClr r="0" g="0" b="0"/>
+      </a:fillRef>
+      <a:effectRef idx="0">
+        <a:scrgbClr r="0" g="0" b="0"/>
+      </a:effectRef>
+      <a:fontRef idx="minor">
+        <a:schemeClr val="lt1"/>
+      </a:fontRef>
+    </dgm:style>
+  </dgm:styleLbl>
+  <dgm:styleLbl name="node1">
+    <dgm:scene3d>
+      <a:camera prst="orthographicFront"/>
+      <a:lightRig rig="threePt" dir="t"/>
+    </dgm:scene3d>
+    <dgm:sp3d/>
+    <dgm:txPr/>
+    <dgm:style>
+      <a:lnRef idx="2">
+        <a:scrgbClr r="0" g="0" b="0"/>
+      </a:lnRef>
+      <a:fillRef idx="1">
+        <a:scrgbClr r="0" g="0" b="0"/>
+      </a:fillRef>
+      <a:effectRef idx="0">
+        <a:scrgbClr r="0" g="0" b="0"/>
+      </a:effectRef>
+      <a:fontRef idx="minor">
+        <a:schemeClr val="lt1"/>
+      </a:fontRef>
+    </dgm:style>
+  </dgm:styleLbl>
+  <dgm:styleLbl name="node2">
+    <dgm:scene3d>
+      <a:camera prst="orthographicFront"/>
+      <a:lightRig rig="threePt" dir="t"/>
+    </dgm:scene3d>
+    <dgm:sp3d/>
+    <dgm:txPr/>
+    <dgm:style>
+      <a:lnRef idx="2">
+        <a:scrgbClr r="0" g="0" b="0"/>
+      </a:lnRef>
+      <a:fillRef idx="1">
+        <a:scrgbClr r="0" g="0" b="0"/>
+      </a:fillRef>
+      <a:effectRef idx="0">
+        <a:scrgbClr r="0" g="0" b="0"/>
+      </a:effectRef>
+      <a:fontRef idx="minor">
+        <a:schemeClr val="lt1"/>
+      </a:fontRef>
+    </dgm:style>
+  </dgm:styleLbl>
+  <dgm:styleLbl name="node3">
+    <dgm:scene3d>
+      <a:camera prst="orthographicFront"/>
+      <a:lightRig rig="threePt" dir="t"/>
+    </dgm:scene3d>
+    <dgm:sp3d/>
+    <dgm:txPr/>
+    <dgm:style>
+      <a:lnRef idx="2">
+        <a:scrgbClr r="0" g="0" b="0"/>
+      </a:lnRef>
+      <a:fillRef idx="1">
+        <a:scrgbClr r="0" g="0" b="0"/>
+      </a:fillRef>
+      <a:effectRef idx="0">
+        <a:scrgbClr r="0" g="0" b="0"/>
+      </a:effectRef>
+      <a:fontRef idx="minor">
+        <a:schemeClr val="lt1"/>
+      </a:fontRef>
+    </dgm:style>
+  </dgm:styleLbl>
+  <dgm:styleLbl name="node4">
+    <dgm:scene3d>
+      <a:camera prst="orthographicFront"/>
+      <a:lightRig rig="threePt" dir="t"/>
+    </dgm:scene3d>
+    <dgm:sp3d/>
+    <dgm:txPr/>
+    <dgm:style>
+      <a:lnRef idx="2">
+        <a:scrgbClr r="0" g="0" b="0"/>
+      </a:lnRef>
+      <a:fillRef idx="1">
+        <a:scrgbClr r="0" g="0" b="0"/>
+      </a:fillRef>
+      <a:effectRef idx="0">
+        <a:scrgbClr r="0" g="0" b="0"/>
+      </a:effectRef>
+      <a:fontRef idx="minor">
+        <a:schemeClr val="lt1"/>
+      </a:fontRef>
+    </dgm:style>
+  </dgm:styleLbl>
+  <dgm:styleLbl name="fgImgPlace1">
+    <dgm:scene3d>
+      <a:camera prst="orthographicFront"/>
+      <a:lightRig rig="threePt" dir="t"/>
+    </dgm:scene3d>
+    <dgm:sp3d/>
+    <dgm:txPr/>
+    <dgm:style>
+      <a:lnRef idx="2">
+        <a:scrgbClr r="0" g="0" b="0"/>
+      </a:lnRef>
+      <a:fillRef idx="1">
+        <a:scrgbClr r="0" g="0" b="0"/>
+      </a:fillRef>
+      <a:effectRef idx="0">
+        <a:scrgbClr r="0" g="0" b="0"/>
+      </a:effectRef>
+      <a:fontRef idx="minor"/>
+    </dgm:style>
+  </dgm:styleLbl>
+  <dgm:styleLbl name="alignImgPlace1">
+    <dgm:scene3d>
+      <a:camera prst="orthographicFront"/>
+      <a:lightRig rig="threePt" dir="t"/>
+    </dgm:scene3d>
+    <dgm:sp3d/>
+    <dgm:txPr/>
+    <dgm:style>
+      <a:lnRef idx="2">
+        <a:scrgbClr r="0" g="0" b="0"/>
+      </a:lnRef>
+      <a:fillRef idx="1">
+        <a:scrgbClr r="0" g="0" b="0"/>
+      </a:fillRef>
+      <a:effectRef idx="0">
+        <a:scrgbClr r="0" g="0" b="0"/>
+      </a:effectRef>
+      <a:fontRef idx="minor"/>
+    </dgm:style>
+  </dgm:styleLbl>
+  <dgm:styleLbl name="bgImgPlace1">
+    <dgm:scene3d>
+      <a:camera prst="orthographicFront"/>
+      <a:lightRig rig="threePt" dir="t"/>
+    </dgm:scene3d>
+    <dgm:sp3d/>
+    <dgm:txPr/>
+    <dgm:style>
+      <a:lnRef idx="2">
+        <a:scrgbClr r="0" g="0" b="0"/>
+      </a:lnRef>
+      <a:fillRef idx="1">
+        <a:scrgbClr r="0" g="0" b="0"/>
+      </a:fillRef>
+      <a:effectRef idx="0">
+        <a:scrgbClr r="0" g="0" b="0"/>
+      </a:effectRef>
+      <a:fontRef idx="minor"/>
+    </dgm:style>
+  </dgm:styleLbl>
+  <dgm:styleLbl name="sibTrans2D1">
+    <dgm:scene3d>
+      <a:camera prst="orthographicFront"/>
+      <a:lightRig rig="threePt" dir="t"/>
+    </dgm:scene3d>
+    <dgm:sp3d/>
+    <dgm:txPr/>
+    <dgm:style>
+      <a:lnRef idx="0">
+        <a:scrgbClr r="0" g="0" b="0"/>
+      </a:lnRef>
+      <a:fillRef idx="1">
+        <a:scrgbClr r="0" g="0" b="0"/>
+      </a:fillRef>
+      <a:effectRef idx="0">
+        <a:scrgbClr r="0" g="0" b="0"/>
+      </a:effectRef>
+      <a:fontRef idx="minor">
+        <a:schemeClr val="lt1"/>
+      </a:fontRef>
+    </dgm:style>
+  </dgm:styleLbl>
+  <dgm:styleLbl name="fgSibTrans2D1">
+    <dgm:scene3d>
+      <a:camera prst="orthographicFront"/>
+      <a:lightRig rig="threePt" dir="t"/>
+    </dgm:scene3d>
+    <dgm:sp3d/>
+    <dgm:txPr/>
+    <dgm:style>
+      <a:lnRef idx="0">
+        <a:scrgbClr r="0" g="0" b="0"/>
+      </a:lnRef>
+      <a:fillRef idx="1">
+        <a:scrgbClr r="0" g="0" b="0"/>
+      </a:fillRef>
+      <a:effectRef idx="0">
+        <a:scrgbClr r="0" g="0" b="0"/>
+      </a:effectRef>
+      <a:fontRef idx="minor">
+        <a:schemeClr val="lt1"/>
+      </a:fontRef>
+    </dgm:style>
+  </dgm:styleLbl>
+  <dgm:styleLbl name="bgSibTrans2D1">
+    <dgm:scene3d>
+      <a:camera prst="orthographicFront"/>
+      <a:lightRig rig="threePt" dir="t"/>
+    </dgm:scene3d>
+    <dgm:sp3d/>
+    <dgm:txPr/>
+    <dgm:style>
+      <a:lnRef idx="0">
+        <a:scrgbClr r="0" g="0" b="0"/>
+      </a:lnRef>
+      <a:fillRef idx="1">
+        <a:scrgbClr r="0" g="0" b="0"/>
+      </a:fillRef>
+      <a:effectRef idx="0">
+        <a:scrgbClr r="0" g="0" b="0"/>
+      </a:effectRef>
+      <a:fontRef idx="minor">
+        <a:schemeClr val="lt1"/>
+      </a:fontRef>
+    </dgm:style>
+  </dgm:styleLbl>
+  <dgm:styleLbl name="sibTrans1D1">
+    <dgm:scene3d>
+      <a:camera prst="orthographicFront"/>
+      <a:lightRig rig="threePt" dir="t"/>
+    </dgm:scene3d>
+    <dgm:sp3d/>
+    <dgm:txPr/>
+    <dgm:style>
+      <a:lnRef idx="1">
+        <a:scrgbClr r="0" g="0" b="0"/>
+      </a:lnRef>
+      <a:fillRef idx="0">
+        <a:scrgbClr r="0" g="0" b="0"/>
+      </a:fillRef>
+      <a:effectRef idx="0">
+        <a:scrgbClr r="0" g="0" b="0"/>
+      </a:effectRef>
+      <a:fontRef idx="minor"/>
+    </dgm:style>
+  </dgm:styleLbl>
+  <dgm:styleLbl name="callout">
+    <dgm:scene3d>
+      <a:camera prst="orthographicFront"/>
+      <a:lightRig rig="threePt" dir="t"/>
+    </dgm:scene3d>
+    <dgm:sp3d/>
+    <dgm:txPr/>
+    <dgm:style>
+      <a:lnRef idx="2">
+        <a:scrgbClr r="0" g="0" b="0"/>
+      </a:lnRef>
+      <a:fillRef idx="1">
+        <a:scrgbClr r="0" g="0" b="0"/>
+      </a:fillRef>
+      <a:effectRef idx="0">
+        <a:scrgbClr r="0" g="0" b="0"/>
+      </a:effectRef>
+      <a:fontRef idx="minor"/>
+    </dgm:style>
+  </dgm:styleLbl>
+  <dgm:styleLbl name="asst0">
+    <dgm:scene3d>
+      <a:camera prst="orthographicFront"/>
+      <a:lightRig rig="threePt" dir="t"/>
+    </dgm:scene3d>
+    <dgm:sp3d/>
+    <dgm:txPr/>
+    <dgm:style>
+      <a:lnRef idx="2">
+        <a:scrgbClr r="0" g="0" b="0"/>
+      </a:lnRef>
+      <a:fillRef idx="1">
+        <a:scrgbClr r="0" g="0" b="0"/>
+      </a:fillRef>
+      <a:effectRef idx="0">
+        <a:scrgbClr r="0" g="0" b="0"/>
+      </a:effectRef>
+      <a:fontRef idx="minor">
+        <a:schemeClr val="lt1"/>
+      </a:fontRef>
+    </dgm:style>
+  </dgm:styleLbl>
+  <dgm:styleLbl name="asst1">
+    <dgm:scene3d>
+      <a:camera prst="orthographicFront"/>
+      <a:lightRig rig="threePt" dir="t"/>
+    </dgm:scene3d>
+    <dgm:sp3d/>
+    <dgm:txPr/>
+    <dgm:style>
+      <a:lnRef idx="2">
+        <a:scrgbClr r="0" g="0" b="0"/>
+      </a:lnRef>
+      <a:fillRef idx="1">
+        <a:scrgbClr r="0" g="0" b="0"/>
+      </a:fillRef>
+      <a:effectRef idx="0">
+        <a:scrgbClr r="0" g="0" b="0"/>
+      </a:effectRef>
+      <a:fontRef idx="minor">
+        <a:schemeClr val="lt1"/>
+      </a:fontRef>
+    </dgm:style>
+  </dgm:styleLbl>
+  <dgm:styleLbl name="asst2">
+    <dgm:scene3d>
+      <a:camera prst="orthographicFront"/>
+      <a:lightRig rig="threePt" dir="t"/>
+    </dgm:scene3d>
+    <dgm:sp3d/>
+    <dgm:txPr/>
+    <dgm:style>
+      <a:lnRef idx="2">
+        <a:scrgbClr r="0" g="0" b="0"/>
+      </a:lnRef>
+      <a:fillRef idx="1">
+        <a:scrgbClr r="0" g="0" b="0"/>
+      </a:fillRef>
+      <a:effectRef idx="0">
+        <a:scrgbClr r="0" g="0" b="0"/>
+      </a:effectRef>
+      <a:fontRef idx="minor">
+        <a:schemeClr val="lt1"/>
+      </a:fontRef>
+    </dgm:style>
+  </dgm:styleLbl>
+  <dgm:styleLbl name="asst3">
+    <dgm:scene3d>
+      <a:camera prst="orthographicFront"/>
+      <a:lightRig rig="threePt" dir="t"/>
+    </dgm:scene3d>
+    <dgm:sp3d/>
+    <dgm:txPr/>
+    <dgm:style>
+      <a:lnRef idx="2">
+        <a:scrgbClr r="0" g="0" b="0"/>
+      </a:lnRef>
+      <a:fillRef idx="1">
+        <a:scrgbClr r="0" g="0" b="0"/>
+      </a:fillRef>
+      <a:effectRef idx="0">
+        <a:scrgbClr r="0" g="0" b="0"/>
+      </a:effectRef>
+      <a:fontRef idx="minor">
+        <a:schemeClr val="lt1"/>
+      </a:fontRef>
+    </dgm:style>
+  </dgm:styleLbl>
+  <dgm:styleLbl name="asst4">
+    <dgm:scene3d>
+      <a:camera prst="orthographicFront"/>
+      <a:lightRig rig="threePt" dir="t"/>
+    </dgm:scene3d>
+    <dgm:sp3d/>
+    <dgm:txPr/>
+    <dgm:style>
+      <a:lnRef idx="2">
+        <a:scrgbClr r="0" g="0" b="0"/>
+      </a:lnRef>
+      <a:fillRef idx="1">
+        <a:scrgbClr r="0" g="0" b="0"/>
+      </a:fillRef>
+      <a:effectRef idx="0">
+        <a:scrgbClr r="0" g="0" b="0"/>
+      </a:effectRef>
+      <a:fontRef idx="minor">
+        <a:schemeClr val="lt1"/>
+      </a:fontRef>
+    </dgm:style>
+  </dgm:styleLbl>
+  <dgm:styleLbl name="parChTrans2D1">
+    <dgm:scene3d>
+      <a:camera prst="orthographicFront"/>
+      <a:lightRig rig="threePt" dir="t"/>
+    </dgm:scene3d>
+    <dgm:sp3d/>
+    <dgm:txPr/>
+    <dgm:style>
+      <a:lnRef idx="2">
+        <a:scrgbClr r="0" g="0" b="0"/>
+      </a:lnRef>
+      <a:fillRef idx="1">
+        <a:scrgbClr r="0" g="0" b="0"/>
+      </a:fillRef>
+      <a:effectRef idx="0">
+        <a:scrgbClr r="0" g="0" b="0"/>
+      </a:effectRef>
+      <a:fontRef idx="minor">
+        <a:schemeClr val="lt1"/>
+      </a:fontRef>
+    </dgm:style>
+  </dgm:styleLbl>
+  <dgm:styleLbl name="parChTrans2D2">
+    <dgm:scene3d>
+      <a:camera prst="orthographicFront"/>
+      <a:lightRig rig="threePt" dir="t"/>
+    </dgm:scene3d>
+    <dgm:sp3d/>
+    <dgm:txPr/>
+    <dgm:style>
+      <a:lnRef idx="2">
+        <a:scrgbClr r="0" g="0" b="0"/>
+      </a:lnRef>
+      <a:fillRef idx="1">
+        <a:scrgbClr r="0" g="0" b="0"/>
+      </a:fillRef>
+      <a:effectRef idx="0">
+        <a:scrgbClr r="0" g="0" b="0"/>
+      </a:effectRef>
+      <a:fontRef idx="minor">
+        <a:schemeClr val="lt1"/>
+      </a:fontRef>
+    </dgm:style>
+  </dgm:styleLbl>
+  <dgm:styleLbl name="parChTrans2D3">
+    <dgm:scene3d>
+      <a:camera prst="orthographicFront"/>
+      <a:lightRig rig="threePt" dir="t"/>
+    </dgm:scene3d>
+    <dgm:sp3d/>
+    <dgm:txPr/>
+    <dgm:style>
+      <a:lnRef idx="2">
+        <a:scrgbClr r="0" g="0" b="0"/>
+      </a:lnRef>
+      <a:fillRef idx="1">
+        <a:scrgbClr r="0" g="0" b="0"/>
+      </a:fillRef>
+      <a:effectRef idx="0">
+        <a:scrgbClr r="0" g="0" b="0"/>
+      </a:effectRef>
+      <a:fontRef idx="minor">
+        <a:schemeClr val="lt1"/>
+      </a:fontRef>
+    </dgm:style>
+  </dgm:styleLbl>
+  <dgm:styleLbl name="parChTrans2D4">
+    <dgm:scene3d>
+      <a:camera prst="orthographicFront"/>
+      <a:lightRig rig="threePt" dir="t"/>
+    </dgm:scene3d>
+    <dgm:sp3d/>
+    <dgm:txPr/>
+    <dgm:style>
+      <a:lnRef idx="2">
+        <a:scrgbClr r="0" g="0" b="0"/>
+      </a:lnRef>
+      <a:fillRef idx="1">
+        <a:scrgbClr r="0" g="0" b="0"/>
+      </a:fillRef>
+      <a:effectRef idx="0">
+        <a:scrgbClr r="0" g="0" b="0"/>
+      </a:effectRef>
+      <a:fontRef idx="minor">
+        <a:schemeClr val="lt1"/>
+      </a:fontRef>
+    </dgm:style>
+  </dgm:styleLbl>
+  <dgm:styleLbl name="parChTrans1D1">
+    <dgm:scene3d>
+      <a:camera prst="orthographicFront"/>
+      <a:lightRig rig="threePt" dir="t"/>
+    </dgm:scene3d>
+    <dgm:sp3d/>
+    <dgm:txPr/>
+    <dgm:style>
+      <a:lnRef idx="2">
+        <a:scrgbClr r="0" g="0" b="0"/>
+      </a:lnRef>
+      <a:fillRef idx="0">
+        <a:scrgbClr r="0" g="0" b="0"/>
+      </a:fillRef>
+      <a:effectRef idx="0">
+        <a:scrgbClr r="0" g="0" b="0"/>
+      </a:effectRef>
+      <a:fontRef idx="minor"/>
+    </dgm:style>
+  </dgm:styleLbl>
+  <dgm:styleLbl name="parChTrans1D2">
+    <dgm:scene3d>
+      <a:camera prst="orthographicFront"/>
+      <a:lightRig rig="threePt" dir="t"/>
+    </dgm:scene3d>
+    <dgm:sp3d/>
+    <dgm:txPr/>
+    <dgm:style>
+      <a:lnRef idx="2">
+        <a:scrgbClr r="0" g="0" b="0"/>
+      </a:lnRef>
+      <a:fillRef idx="0">
+        <a:scrgbClr r="0" g="0" b="0"/>
+      </a:fillRef>
+      <a:effectRef idx="0">
+        <a:scrgbClr r="0" g="0" b="0"/>
+      </a:effectRef>
+      <a:fontRef idx="minor"/>
+    </dgm:style>
+  </dgm:styleLbl>
+  <dgm:styleLbl name="parChTrans1D3">
+    <dgm:scene3d>
+      <a:camera prst="orthographicFront"/>
+      <a:lightRig rig="threePt" dir="t"/>
+    </dgm:scene3d>
+    <dgm:sp3d/>
+    <dgm:txPr/>
+    <dgm:style>
+      <a:lnRef idx="2">
+        <a:scrgbClr r="0" g="0" b="0"/>
+      </a:lnRef>
+      <a:fillRef idx="0">
+        <a:scrgbClr r="0" g="0" b="0"/>
+      </a:fillRef>
+      <a:effectRef idx="0">
+        <a:scrgbClr r="0" g="0" b="0"/>
+      </a:effectRef>
+      <a:fontRef idx="minor"/>
+    </dgm:style>
+  </dgm:styleLbl>
+  <dgm:styleLbl name="parChTrans1D4">
+    <dgm:scene3d>
+      <a:camera prst="orthographicFront"/>
+      <a:lightRig rig="threePt" dir="t"/>
+    </dgm:scene3d>
+    <dgm:sp3d/>
+    <dgm:txPr/>
+    <dgm:style>
+      <a:lnRef idx="2">
+        <a:scrgbClr r="0" g="0" b="0"/>
+      </a:lnRef>
+      <a:fillRef idx="0">
+        <a:scrgbClr r="0" g="0" b="0"/>
+      </a:fillRef>
+      <a:effectRef idx="0">
+        <a:scrgbClr r="0" g="0" b="0"/>
+      </a:effectRef>
+      <a:fontRef idx="minor"/>
+    </dgm:style>
+  </dgm:styleLbl>
+  <dgm:styleLbl name="fgAcc1">
+    <dgm:scene3d>
+      <a:camera prst="orthographicFront"/>
+      <a:lightRig rig="threePt" dir="t"/>
+    </dgm:scene3d>
+    <dgm:sp3d/>
+    <dgm:txPr/>
+    <dgm:style>
+      <a:lnRef idx="2">
+        <a:scrgbClr r="0" g="0" b="0"/>
+      </a:lnRef>
+      <a:fillRef idx="1">
+        <a:scrgbClr r="0" g="0" b="0"/>
+      </a:fillRef>
+      <a:effectRef idx="0">
+        <a:scrgbClr r="0" g="0" b="0"/>
+      </a:effectRef>
+      <a:fontRef idx="minor"/>
+    </dgm:style>
+  </dgm:styleLbl>
+  <dgm:styleLbl name="conFgAcc1">
+    <dgm:scene3d>
+      <a:camera prst="orthographicFront"/>
+      <a:lightRig rig="threePt" dir="t"/>
+    </dgm:scene3d>
+    <dgm:sp3d/>
+    <dgm:txPr/>
+    <dgm:style>
+      <a:lnRef idx="2">
+        <a:scrgbClr r="0" g="0" b="0"/>
+      </a:lnRef>
+      <a:fillRef idx="1">
+        <a:scrgbClr r="0" g="0" b="0"/>
+      </a:fillRef>
+      <a:effectRef idx="0">
+        <a:scrgbClr r="0" g="0" b="0"/>
+      </a:effectRef>
+      <a:fontRef idx="minor"/>
+    </dgm:style>
+  </dgm:styleLbl>
+  <dgm:styleLbl name="alignAcc1">
+    <dgm:scene3d>
+      <a:camera prst="orthographicFront"/>
+      <a:lightRig rig="threePt" dir="t"/>
+    </dgm:scene3d>
+    <dgm:sp3d/>
+    <dgm:txPr/>
+    <dgm:style>
+      <a:lnRef idx="2">
+        <a:scrgbClr r="0" g="0" b="0"/>
+      </a:lnRef>
+      <a:fillRef idx="1">
+        <a:scrgbClr r="0" g="0" b="0"/>
+      </a:fillRef>
+      <a:effectRef idx="0">
+        <a:scrgbClr r="0" g="0" b="0"/>
+      </a:effectRef>
+      <a:fontRef idx="minor"/>
+    </dgm:style>
+  </dgm:styleLbl>
+  <dgm:styleLbl name="trAlignAcc1">
+    <dgm:scene3d>
+      <a:camera prst="orthographicFront"/>
+      <a:lightRig rig="threePt" dir="t"/>
+    </dgm:scene3d>
+    <dgm:sp3d/>
+    <dgm:txPr/>
+    <dgm:style>
+      <a:lnRef idx="1">
+        <a:scrgbClr r="0" g="0" b="0"/>
+      </a:lnRef>
+      <a:fillRef idx="1">
+        <a:scrgbClr r="0" g="0" b="0"/>
+      </a:fillRef>
+      <a:effectRef idx="0">
+        <a:scrgbClr r="0" g="0" b="0"/>
+      </a:effectRef>
+      <a:fontRef idx="minor"/>
+    </dgm:style>
+  </dgm:styleLbl>
+  <dgm:styleLbl name="bgAcc1">
+    <dgm:scene3d>
+      <a:camera prst="orthographicFront"/>
+      <a:lightRig rig="threePt" dir="t"/>
+    </dgm:scene3d>
+    <dgm:sp3d/>
+    <dgm:txPr/>
+    <dgm:style>
+      <a:lnRef idx="2">
+        <a:scrgbClr r="0" g="0" b="0"/>
+      </a:lnRef>
+      <a:fillRef idx="1">
+        <a:scrgbClr r="0" g="0" b="0"/>
+      </a:fillRef>
+      <a:effectRef idx="0">
+        <a:scrgbClr r="0" g="0" b="0"/>
+      </a:effectRef>
+      <a:fontRef idx="minor"/>
+    </dgm:style>
+  </dgm:styleLbl>
+  <dgm:styleLbl name="solidFgAcc1">
+    <dgm:scene3d>
+      <a:camera prst="orthographicFront"/>
+      <a:lightRig rig="threePt" dir="t"/>
+    </dgm:scene3d>
+    <dgm:sp3d/>
+    <dgm:txPr/>
+    <dgm:style>
+      <a:lnRef idx="2">
+        <a:scrgbClr r="0" g="0" b="0"/>
+      </a:lnRef>
+      <a:fillRef idx="1">
+        <a:scrgbClr r="0" g="0" b="0"/>
+      </a:fillRef>
+      <a:effectRef idx="0">
+        <a:scrgbClr r="0" g="0" b="0"/>
+      </a:effectRef>
+      <a:fontRef idx="minor"/>
+    </dgm:style>
+  </dgm:styleLbl>
+  <dgm:styleLbl name="solidAlignAcc1">
+    <dgm:scene3d>
+      <a:camera prst="orthographicFront"/>
+      <a:lightRig rig="threePt" dir="t"/>
+    </dgm:scene3d>
+    <dgm:sp3d/>
+    <dgm:txPr/>
+    <dgm:style>
+      <a:lnRef idx="2">
+        <a:scrgbClr r="0" g="0" b="0"/>
+      </a:lnRef>
+      <a:fillRef idx="1">
+        <a:scrgbClr r="0" g="0" b="0"/>
+      </a:fillRef>
+      <a:effectRef idx="0">
+        <a:scrgbClr r="0" g="0" b="0"/>
+      </a:effectRef>
+      <a:fontRef idx="minor"/>
+    </dgm:style>
+  </dgm:styleLbl>
+  <dgm:styleLbl name="solidBgAcc1">
+    <dgm:scene3d>
+      <a:camera prst="orthographicFront"/>
+      <a:lightRig rig="threePt" dir="t"/>
+    </dgm:scene3d>
+    <dgm:sp3d/>
+    <dgm:txPr/>
+    <dgm:style>
+      <a:lnRef idx="2">
+        <a:scrgbClr r="0" g="0" b="0"/>
+      </a:lnRef>
+      <a:fillRef idx="1">
+        <a:scrgbClr r="0" g="0" b="0"/>
+      </a:fillRef>
+      <a:effectRef idx="0">
+        <a:scrgbClr r="0" g="0" b="0"/>
+      </a:effectRef>
+      <a:fontRef idx="minor"/>
+    </dgm:style>
+  </dgm:styleLbl>
+  <dgm:styleLbl name="fgAccFollowNode1">
+    <dgm:scene3d>
+      <a:camera prst="orthographicFront"/>
+      <a:lightRig rig="threePt" dir="t"/>
+    </dgm:scene3d>
+    <dgm:sp3d/>
+    <dgm:txPr/>
+    <dgm:style>
+      <a:lnRef idx="2">
+        <a:scrgbClr r="0" g="0" b="0"/>
+      </a:lnRef>
+      <a:fillRef idx="1">
+        <a:scrgbClr r="0" g="0" b="0"/>
+      </a:fillRef>
+      <a:effectRef idx="0">
+        <a:scrgbClr r="0" g="0" b="0"/>
+      </a:effectRef>
+      <a:fontRef idx="minor"/>
+    </dgm:style>
+  </dgm:styleLbl>
+  <dgm:styleLbl name="alignAccFollowNode1">
+    <dgm:scene3d>
+      <a:camera prst="orthographicFront"/>
+      <a:lightRig rig="threePt" dir="t"/>
+    </dgm:scene3d>
+    <dgm:sp3d/>
+    <dgm:txPr/>
+    <dgm:style>
+      <a:lnRef idx="2">
+        <a:scrgbClr r="0" g="0" b="0"/>
+      </a:lnRef>
+      <a:fillRef idx="1">
+        <a:scrgbClr r="0" g="0" b="0"/>
+      </a:fillRef>
+      <a:effectRef idx="0">
+        <a:scrgbClr r="0" g="0" b="0"/>
+      </a:effectRef>
+      <a:fontRef idx="minor"/>
+    </dgm:style>
+  </dgm:styleLbl>
+  <dgm:styleLbl name="bgAccFollowNode1">
+    <dgm:scene3d>
+      <a:camera prst="orthographicFront"/>
+      <a:lightRig rig="threePt" dir="t"/>
+    </dgm:scene3d>
+    <dgm:sp3d/>
+    <dgm:txPr/>
+    <dgm:style>
+      <a:lnRef idx="2">
+        <a:scrgbClr r="0" g="0" b="0"/>
+      </a:lnRef>
+      <a:fillRef idx="1">
+        <a:scrgbClr r="0" g="0" b="0"/>
+      </a:fillRef>
+      <a:effectRef idx="0">
+        <a:scrgbClr r="0" g="0" b="0"/>
+      </a:effectRef>
+      <a:fontRef idx="minor"/>
+    </dgm:style>
+  </dgm:styleLbl>
+  <dgm:styleLbl name="fgAcc0">
+    <dgm:scene3d>
+      <a:camera prst="orthographicFront"/>
+      <a:lightRig rig="threePt" dir="t"/>
+    </dgm:scene3d>
+    <dgm:sp3d/>
+    <dgm:txPr/>
+    <dgm:style>
+      <a:lnRef idx="2">
+        <a:scrgbClr r="0" g="0" b="0"/>
+      </a:lnRef>
+      <a:fillRef idx="1">
+        <a:scrgbClr r="0" g="0" b="0"/>
+      </a:fillRef>
+      <a:effectRef idx="0">
+        <a:scrgbClr r="0" g="0" b="0"/>
+      </a:effectRef>
+      <a:fontRef idx="minor"/>
+    </dgm:style>
+  </dgm:styleLbl>
+  <dgm:styleLbl name="fgAcc2">
+    <dgm:scene3d>
+      <a:camera prst="orthographicFront"/>
+      <a:lightRig rig="threePt" dir="t"/>
+    </dgm:scene3d>
+    <dgm:sp3d/>
+    <dgm:txPr/>
+    <dgm:style>
+      <a:lnRef idx="2">
+        <a:scrgbClr r="0" g="0" b="0"/>
+      </a:lnRef>
+      <a:fillRef idx="1">
+        <a:scrgbClr r="0" g="0" b="0"/>
+      </a:fillRef>
+      <a:effectRef idx="0">
+        <a:scrgbClr r="0" g="0" b="0"/>
+      </a:effectRef>
+      <a:fontRef idx="minor"/>
+    </dgm:style>
+  </dgm:styleLbl>
+  <dgm:styleLbl name="fgAcc3">
+    <dgm:scene3d>
+      <a:camera prst="orthographicFront"/>
+      <a:lightRig rig="threePt" dir="t"/>
+    </dgm:scene3d>
+    <dgm:sp3d/>
+    <dgm:txPr/>
+    <dgm:style>
+      <a:lnRef idx="2">
+        <a:scrgbClr r="0" g="0" b="0"/>
+      </a:lnRef>
+      <a:fillRef idx="1">
+        <a:scrgbClr r="0" g="0" b="0"/>
+      </a:fillRef>
+      <a:effectRef idx="0">
+        <a:scrgbClr r="0" g="0" b="0"/>
+      </a:effectRef>
+      <a:fontRef idx="minor"/>
+    </dgm:style>
+  </dgm:styleLbl>
+  <dgm:styleLbl name="fgAcc4">
+    <dgm:scene3d>
+      <a:camera prst="orthographicFront"/>
+      <a:lightRig rig="threePt" dir="t"/>
+    </dgm:scene3d>
+    <dgm:sp3d/>
+    <dgm:txPr/>
+    <dgm:style>
+      <a:lnRef idx="2">
+        <a:scrgbClr r="0" g="0" b="0"/>
+      </a:lnRef>
+      <a:fillRef idx="1">
+        <a:scrgbClr r="0" g="0" b="0"/>
+      </a:fillRef>
+      <a:effectRef idx="0">
+        <a:scrgbClr r="0" g="0" b="0"/>
+      </a:effectRef>
+      <a:fontRef idx="minor"/>
+    </dgm:style>
+  </dgm:styleLbl>
+  <dgm:styleLbl name="bgShp">
+    <dgm:scene3d>
+      <a:camera prst="orthographicFront"/>
+      <a:lightRig rig="threePt" dir="t"/>
+    </dgm:scene3d>
+    <dgm:sp3d/>
+    <dgm:txPr/>
+    <dgm:style>
+      <a:lnRef idx="0">
+        <a:scrgbClr r="0" g="0" b="0"/>
+      </a:lnRef>
+      <a:fillRef idx="1">
+        <a:scrgbClr r="0" g="0" b="0"/>
+      </a:fillRef>
+      <a:effectRef idx="0">
+        <a:scrgbClr r="0" g="0" b="0"/>
+      </a:effectRef>
+      <a:fontRef idx="minor"/>
+    </dgm:style>
+  </dgm:styleLbl>
+  <dgm:styleLbl name="dkBgShp">
+    <dgm:scene3d>
+      <a:camera prst="orthographicFront"/>
+      <a:lightRig rig="threePt" dir="t"/>
+    </dgm:scene3d>
+    <dgm:sp3d/>
+    <dgm:txPr/>
+    <dgm:style>
+      <a:lnRef idx="0">
+        <a:scrgbClr r="0" g="0" b="0"/>
+      </a:lnRef>
+      <a:fillRef idx="1">
+        <a:scrgbClr r="0" g="0" b="0"/>
+      </a:fillRef>
+      <a:effectRef idx="0">
+        <a:scrgbClr r="0" g="0" b="0"/>
+      </a:effectRef>
+      <a:fontRef idx="minor"/>
+    </dgm:style>
+  </dgm:styleLbl>
+  <dgm:styleLbl name="trBgShp">
+    <dgm:scene3d>
+      <a:camera prst="orthographicFront"/>
+      <a:lightRig rig="threePt" dir="t"/>
+    </dgm:scene3d>
+    <dgm:sp3d/>
+    <dgm:txPr/>
+    <dgm:style>
+      <a:lnRef idx="0">
+        <a:scrgbClr r="0" g="0" b="0"/>
+      </a:lnRef>
+      <a:fillRef idx="1">
+        <a:scrgbClr r="0" g="0" b="0"/>
+      </a:fillRef>
+      <a:effectRef idx="0">
+        <a:scrgbClr r="0" g="0" b="0"/>
+      </a:effectRef>
+      <a:fontRef idx="minor"/>
+    </dgm:style>
+  </dgm:styleLbl>
+  <dgm:styleLbl name="fgShp">
+    <dgm:scene3d>
+      <a:camera prst="orthographicFront"/>
+      <a:lightRig rig="threePt" dir="t"/>
+    </dgm:scene3d>
+    <dgm:sp3d/>
+    <dgm:txPr/>
+    <dgm:style>
+      <a:lnRef idx="2">
+        <a:scrgbClr r="0" g="0" b="0"/>
+      </a:lnRef>
+      <a:fillRef idx="1">
+        <a:scrgbClr r="0" g="0" b="0"/>
+      </a:fillRef>
+      <a:effectRef idx="0">
+        <a:scrgbClr r="0" g="0" b="0"/>
+      </a:effectRef>
+      <a:fontRef idx="minor"/>
+    </dgm:style>
+  </dgm:styleLbl>
+  <dgm:styleLbl name="revTx">
+    <dgm:scene3d>
+      <a:camera prst="orthographicFront"/>
+      <a:lightRig rig="threePt" dir="t"/>
+    </dgm:scene3d>
+    <dgm:sp3d/>
+    <dgm:txPr/>
+    <dgm:style>
+      <a:lnRef idx="0">
+        <a:scrgbClr r="0" g="0" b="0"/>
+      </a:lnRef>
+      <a:fillRef idx="0">
+        <a:scrgbClr r="0" g="0" b="0"/>
+      </a:fillRef>
+      <a:effectRef idx="0">
+        <a:scrgbClr r="0" g="0" b="0"/>
+      </a:effectRef>
+      <a:fontRef idx="minor"/>
+    </dgm:style>
+  </dgm:styleLbl>
+</dgm:styleDef>
+</file>
+
 <file path=ppt/slideLayouts/slideLayout1.xml><?xml version="1.0" encoding="utf-8"?>
 <p:sldLayout xmlns:a="http://schemas.openxmlformats.org/drawingml/2006/main" xmlns:r="http://schemas.openxmlformats.org/officeDocument/2006/relationships" xmlns:p="http://schemas.openxmlformats.org/presentationml/2006/main" type="title" preserve="1">
   <p:cSld name="제목 슬라이드">
@@ -269,7 +3003,7 @@
           <a:p>
             <a:fld id="{29B19FDF-4481-4366-B22B-C477AC1EE9E7}" type="datetimeFigureOut">
               <a:rPr lang="en-US" smtClean="0"/>
-              <a:t>10/15/2024</a:t>
+              <a:t>10/16/24</a:t>
             </a:fld>
             <a:endParaRPr lang="en-US"/>
           </a:p>
@@ -469,7 +3203,7 @@
           <a:p>
             <a:fld id="{29B19FDF-4481-4366-B22B-C477AC1EE9E7}" type="datetimeFigureOut">
               <a:rPr lang="en-US" smtClean="0"/>
-              <a:t>10/15/2024</a:t>
+              <a:t>10/16/24</a:t>
             </a:fld>
             <a:endParaRPr lang="en-US"/>
           </a:p>
@@ -679,7 +3413,7 @@
           <a:p>
             <a:fld id="{29B19FDF-4481-4366-B22B-C477AC1EE9E7}" type="datetimeFigureOut">
               <a:rPr lang="en-US" smtClean="0"/>
-              <a:t>10/15/2024</a:t>
+              <a:t>10/16/24</a:t>
             </a:fld>
             <a:endParaRPr lang="en-US"/>
           </a:p>
@@ -879,7 +3613,7 @@
           <a:p>
             <a:fld id="{29B19FDF-4481-4366-B22B-C477AC1EE9E7}" type="datetimeFigureOut">
               <a:rPr lang="en-US" smtClean="0"/>
-              <a:t>10/15/2024</a:t>
+              <a:t>10/16/24</a:t>
             </a:fld>
             <a:endParaRPr lang="en-US"/>
           </a:p>
@@ -1155,7 +3889,7 @@
           <a:p>
             <a:fld id="{29B19FDF-4481-4366-B22B-C477AC1EE9E7}" type="datetimeFigureOut">
               <a:rPr lang="en-US" smtClean="0"/>
-              <a:t>10/15/2024</a:t>
+              <a:t>10/16/24</a:t>
             </a:fld>
             <a:endParaRPr lang="en-US"/>
           </a:p>
@@ -1423,7 +4157,7 @@
           <a:p>
             <a:fld id="{29B19FDF-4481-4366-B22B-C477AC1EE9E7}" type="datetimeFigureOut">
               <a:rPr lang="en-US" smtClean="0"/>
-              <a:t>10/15/2024</a:t>
+              <a:t>10/16/24</a:t>
             </a:fld>
             <a:endParaRPr lang="en-US"/>
           </a:p>
@@ -1838,7 +4572,7 @@
           <a:p>
             <a:fld id="{29B19FDF-4481-4366-B22B-C477AC1EE9E7}" type="datetimeFigureOut">
               <a:rPr lang="en-US" smtClean="0"/>
-              <a:t>10/15/2024</a:t>
+              <a:t>10/16/24</a:t>
             </a:fld>
             <a:endParaRPr lang="en-US"/>
           </a:p>
@@ -1980,7 +4714,7 @@
           <a:p>
             <a:fld id="{29B19FDF-4481-4366-B22B-C477AC1EE9E7}" type="datetimeFigureOut">
               <a:rPr lang="en-US" smtClean="0"/>
-              <a:t>10/15/2024</a:t>
+              <a:t>10/16/24</a:t>
             </a:fld>
             <a:endParaRPr lang="en-US"/>
           </a:p>
@@ -2093,7 +4827,7 @@
           <a:p>
             <a:fld id="{29B19FDF-4481-4366-B22B-C477AC1EE9E7}" type="datetimeFigureOut">
               <a:rPr lang="en-US" smtClean="0"/>
-              <a:t>10/15/2024</a:t>
+              <a:t>10/16/24</a:t>
             </a:fld>
             <a:endParaRPr lang="en-US"/>
           </a:p>
@@ -2406,7 +5140,7 @@
           <a:p>
             <a:fld id="{29B19FDF-4481-4366-B22B-C477AC1EE9E7}" type="datetimeFigureOut">
               <a:rPr lang="en-US" smtClean="0"/>
-              <a:t>10/15/2024</a:t>
+              <a:t>10/16/24</a:t>
             </a:fld>
             <a:endParaRPr lang="en-US"/>
           </a:p>
@@ -2695,7 +5429,7 @@
           <a:p>
             <a:fld id="{29B19FDF-4481-4366-B22B-C477AC1EE9E7}" type="datetimeFigureOut">
               <a:rPr lang="en-US" smtClean="0"/>
-              <a:t>10/15/2024</a:t>
+              <a:t>10/16/24</a:t>
             </a:fld>
             <a:endParaRPr lang="en-US"/>
           </a:p>
@@ -2941,7 +5675,7 @@
           <a:p>
             <a:fld id="{29B19FDF-4481-4366-B22B-C477AC1EE9E7}" type="datetimeFigureOut">
               <a:rPr lang="en-US" smtClean="0"/>
-              <a:t>10/15/2024</a:t>
+              <a:t>10/16/24</a:t>
             </a:fld>
             <a:endParaRPr lang="en-US"/>
           </a:p>
@@ -4152,384 +6886,6 @@
       </p:sp>
       <p:sp>
         <p:nvSpPr>
-          <p:cNvPr id="2" name="TextBox 1">
-            <a:extLst>
-              <a:ext uri="{FF2B5EF4-FFF2-40B4-BE49-F238E27FC236}">
-                <a16:creationId xmlns:a16="http://schemas.microsoft.com/office/drawing/2014/main" id="{A006C3CC-AFE3-497A-58A5-C21420D3B81F}"/>
-              </a:ext>
-            </a:extLst>
-          </p:cNvPr>
-          <p:cNvSpPr txBox="1"/>
-          <p:nvPr/>
-        </p:nvSpPr>
-        <p:spPr>
-          <a:xfrm>
-            <a:off x="1454284" y="1920478"/>
-            <a:ext cx="5116749" cy="369332"/>
-          </a:xfrm>
-          <a:prstGeom prst="rect">
-            <a:avLst/>
-          </a:prstGeom>
-          <a:noFill/>
-        </p:spPr>
-        <p:txBody>
-          <a:bodyPr wrap="square" rtlCol="0">
-            <a:spAutoFit/>
-          </a:bodyPr>
-          <a:lstStyle/>
-          <a:p>
-            <a:r>
-              <a:rPr lang="en-US" dirty="0"/>
-              <a:t>For efficient work: reduce manual type writing</a:t>
-            </a:r>
-          </a:p>
-        </p:txBody>
-      </p:sp>
-      <p:sp>
-        <p:nvSpPr>
-          <p:cNvPr id="3" name="TextBox 2">
-            <a:extLst>
-              <a:ext uri="{FF2B5EF4-FFF2-40B4-BE49-F238E27FC236}">
-                <a16:creationId xmlns:a16="http://schemas.microsoft.com/office/drawing/2014/main" id="{1B90E190-F009-FE19-7DD7-68CA4B6AD229}"/>
-              </a:ext>
-            </a:extLst>
-          </p:cNvPr>
-          <p:cNvSpPr txBox="1"/>
-          <p:nvPr/>
-        </p:nvSpPr>
-        <p:spPr>
-          <a:xfrm>
-            <a:off x="5650960" y="2349949"/>
-            <a:ext cx="5116749" cy="369332"/>
-          </a:xfrm>
-          <a:prstGeom prst="rect">
-            <a:avLst/>
-          </a:prstGeom>
-          <a:noFill/>
-        </p:spPr>
-        <p:txBody>
-          <a:bodyPr wrap="square" rtlCol="0">
-            <a:spAutoFit/>
-          </a:bodyPr>
-          <a:lstStyle/>
-          <a:p>
-            <a:r>
-              <a:rPr lang="en-US" dirty="0"/>
-              <a:t>From</a:t>
-            </a:r>
-            <a:r>
-              <a:rPr lang="ko-KR" altLang="en-US" dirty="0"/>
-              <a:t> </a:t>
-            </a:r>
-            <a:r>
-              <a:rPr lang="en-US" altLang="ko-KR" dirty="0"/>
-              <a:t>this</a:t>
-            </a:r>
-            <a:r>
-              <a:rPr lang="ko-KR" altLang="en-US" dirty="0"/>
-              <a:t> </a:t>
-            </a:r>
-            <a:r>
-              <a:rPr lang="en-US" altLang="ko-KR" dirty="0"/>
-              <a:t>time</a:t>
-            </a:r>
-            <a:r>
-              <a:rPr lang="ko-KR" altLang="en-US" dirty="0"/>
-              <a:t> </a:t>
-            </a:r>
-            <a:r>
-              <a:rPr lang="en-US" altLang="ko-KR" dirty="0"/>
-              <a:t>saving</a:t>
-            </a:r>
-            <a:endParaRPr lang="en-US" dirty="0"/>
-          </a:p>
-        </p:txBody>
-      </p:sp>
-      <p:sp>
-        <p:nvSpPr>
-          <p:cNvPr id="4" name="TextBox 3">
-            <a:extLst>
-              <a:ext uri="{FF2B5EF4-FFF2-40B4-BE49-F238E27FC236}">
-                <a16:creationId xmlns:a16="http://schemas.microsoft.com/office/drawing/2014/main" id="{32984C9B-D4DC-60C4-C91D-F958D8B819CD}"/>
-              </a:ext>
-            </a:extLst>
-          </p:cNvPr>
-          <p:cNvSpPr txBox="1"/>
-          <p:nvPr/>
-        </p:nvSpPr>
-        <p:spPr>
-          <a:xfrm>
-            <a:off x="1596958" y="3743099"/>
-            <a:ext cx="5116749" cy="369332"/>
-          </a:xfrm>
-          <a:prstGeom prst="rect">
-            <a:avLst/>
-          </a:prstGeom>
-          <a:noFill/>
-        </p:spPr>
-        <p:txBody>
-          <a:bodyPr wrap="square" rtlCol="0">
-            <a:spAutoFit/>
-          </a:bodyPr>
-          <a:lstStyle/>
-          <a:p>
-            <a:r>
-              <a:rPr lang="en-US" dirty="0"/>
-              <a:t>More time to expand the strategy and insight</a:t>
-            </a:r>
-          </a:p>
-        </p:txBody>
-      </p:sp>
-      <p:sp>
-        <p:nvSpPr>
-          <p:cNvPr id="6" name="TextBox 5">
-            <a:extLst>
-              <a:ext uri="{FF2B5EF4-FFF2-40B4-BE49-F238E27FC236}">
-                <a16:creationId xmlns:a16="http://schemas.microsoft.com/office/drawing/2014/main" id="{1908CCFE-8415-F146-2DAE-5458DD41A586}"/>
-              </a:ext>
-            </a:extLst>
-          </p:cNvPr>
-          <p:cNvSpPr txBox="1"/>
-          <p:nvPr/>
-        </p:nvSpPr>
-        <p:spPr>
-          <a:xfrm>
-            <a:off x="1596958" y="2710521"/>
-            <a:ext cx="5116749" cy="369332"/>
-          </a:xfrm>
-          <a:prstGeom prst="rect">
-            <a:avLst/>
-          </a:prstGeom>
-          <a:noFill/>
-        </p:spPr>
-        <p:txBody>
-          <a:bodyPr wrap="square" rtlCol="0">
-            <a:spAutoFit/>
-          </a:bodyPr>
-          <a:lstStyle/>
-          <a:p>
-            <a:r>
-              <a:rPr lang="en-US" dirty="0"/>
-              <a:t>More time to spend for analysis</a:t>
-            </a:r>
-          </a:p>
-        </p:txBody>
-      </p:sp>
-      <p:cxnSp>
-        <p:nvCxnSpPr>
-          <p:cNvPr id="8" name="직선 화살표 연결선 7">
-            <a:extLst>
-              <a:ext uri="{FF2B5EF4-FFF2-40B4-BE49-F238E27FC236}">
-                <a16:creationId xmlns:a16="http://schemas.microsoft.com/office/drawing/2014/main" id="{12CC215D-2B94-88E5-8DF7-1B6D85A49848}"/>
-              </a:ext>
-            </a:extLst>
-          </p:cNvPr>
-          <p:cNvCxnSpPr>
-            <a:cxnSpLocks/>
-          </p:cNvCxnSpPr>
-          <p:nvPr/>
-        </p:nvCxnSpPr>
-        <p:spPr>
-          <a:xfrm flipH="1">
-            <a:off x="4637664" y="2534615"/>
-            <a:ext cx="899807" cy="0"/>
-          </a:xfrm>
-          <a:prstGeom prst="straightConnector1">
-            <a:avLst/>
-          </a:prstGeom>
-          <a:ln>
-            <a:tailEnd type="triangle"/>
-          </a:ln>
-        </p:spPr>
-        <p:style>
-          <a:lnRef idx="2">
-            <a:schemeClr val="accent1"/>
-          </a:lnRef>
-          <a:fillRef idx="0">
-            <a:schemeClr val="accent1"/>
-          </a:fillRef>
-          <a:effectRef idx="1">
-            <a:schemeClr val="accent1"/>
-          </a:effectRef>
-          <a:fontRef idx="minor">
-            <a:schemeClr val="tx1"/>
-          </a:fontRef>
-        </p:style>
-      </p:cxnSp>
-      <p:cxnSp>
-        <p:nvCxnSpPr>
-          <p:cNvPr id="10" name="직선 화살표 연결선 9">
-            <a:extLst>
-              <a:ext uri="{FF2B5EF4-FFF2-40B4-BE49-F238E27FC236}">
-                <a16:creationId xmlns:a16="http://schemas.microsoft.com/office/drawing/2014/main" id="{9C687A2F-0B28-949D-8E7D-4EC7AF4F8518}"/>
-              </a:ext>
-            </a:extLst>
-          </p:cNvPr>
-          <p:cNvCxnSpPr>
-            <a:cxnSpLocks/>
-          </p:cNvCxnSpPr>
-          <p:nvPr/>
-        </p:nvCxnSpPr>
-        <p:spPr>
-          <a:xfrm>
-            <a:off x="3579777" y="2271972"/>
-            <a:ext cx="1" cy="378410"/>
-          </a:xfrm>
-          <a:prstGeom prst="straightConnector1">
-            <a:avLst/>
-          </a:prstGeom>
-          <a:ln>
-            <a:tailEnd type="triangle"/>
-          </a:ln>
-        </p:spPr>
-        <p:style>
-          <a:lnRef idx="2">
-            <a:schemeClr val="accent1"/>
-          </a:lnRef>
-          <a:fillRef idx="0">
-            <a:schemeClr val="accent1"/>
-          </a:fillRef>
-          <a:effectRef idx="1">
-            <a:schemeClr val="accent1"/>
-          </a:effectRef>
-          <a:fontRef idx="minor">
-            <a:schemeClr val="tx1"/>
-          </a:fontRef>
-        </p:style>
-      </p:cxnSp>
-      <p:cxnSp>
-        <p:nvCxnSpPr>
-          <p:cNvPr id="13" name="직선 화살표 연결선 12">
-            <a:extLst>
-              <a:ext uri="{FF2B5EF4-FFF2-40B4-BE49-F238E27FC236}">
-                <a16:creationId xmlns:a16="http://schemas.microsoft.com/office/drawing/2014/main" id="{DD416B7D-2863-D55F-4FEB-1E2ED4845D5E}"/>
-              </a:ext>
-            </a:extLst>
-          </p:cNvPr>
-          <p:cNvCxnSpPr>
-            <a:cxnSpLocks/>
-          </p:cNvCxnSpPr>
-          <p:nvPr/>
-        </p:nvCxnSpPr>
-        <p:spPr>
-          <a:xfrm>
-            <a:off x="3518167" y="3222271"/>
-            <a:ext cx="1" cy="378410"/>
-          </a:xfrm>
-          <a:prstGeom prst="straightConnector1">
-            <a:avLst/>
-          </a:prstGeom>
-          <a:ln>
-            <a:tailEnd type="triangle"/>
-          </a:ln>
-        </p:spPr>
-        <p:style>
-          <a:lnRef idx="2">
-            <a:schemeClr val="accent1"/>
-          </a:lnRef>
-          <a:fillRef idx="0">
-            <a:schemeClr val="accent1"/>
-          </a:fillRef>
-          <a:effectRef idx="1">
-            <a:schemeClr val="accent1"/>
-          </a:effectRef>
-          <a:fontRef idx="minor">
-            <a:schemeClr val="tx1"/>
-          </a:fontRef>
-        </p:style>
-      </p:cxnSp>
-      <p:sp>
-        <p:nvSpPr>
-          <p:cNvPr id="9" name="TextBox 8">
-            <a:extLst>
-              <a:ext uri="{FF2B5EF4-FFF2-40B4-BE49-F238E27FC236}">
-                <a16:creationId xmlns:a16="http://schemas.microsoft.com/office/drawing/2014/main" id="{5B1D428D-3ACD-B14E-D917-5844184B2D5E}"/>
-              </a:ext>
-            </a:extLst>
-          </p:cNvPr>
-          <p:cNvSpPr txBox="1"/>
-          <p:nvPr/>
-        </p:nvSpPr>
-        <p:spPr>
-          <a:xfrm>
-            <a:off x="2371523" y="1474910"/>
-            <a:ext cx="8684368" cy="646331"/>
-          </a:xfrm>
-          <a:prstGeom prst="rect">
-            <a:avLst/>
-          </a:prstGeom>
-          <a:noFill/>
-        </p:spPr>
-        <p:txBody>
-          <a:bodyPr wrap="square">
-            <a:spAutoFit/>
-          </a:bodyPr>
-          <a:lstStyle/>
-          <a:p>
-            <a:r>
-              <a:rPr lang="en-US" dirty="0">
-                <a:solidFill>
-                  <a:srgbClr val="1D2125"/>
-                </a:solidFill>
-                <a:latin typeface="Roboto" panose="02000000000000000000" pitchFamily="2" charset="0"/>
-              </a:rPr>
-              <a:t>Maintain </a:t>
-            </a:r>
-            <a:r>
-              <a:rPr lang="en-US" b="0" i="0" dirty="0">
-                <a:solidFill>
-                  <a:srgbClr val="1D2125"/>
-                </a:solidFill>
-                <a:effectLst/>
-                <a:latin typeface="Roboto" panose="02000000000000000000" pitchFamily="2" charset="0"/>
-              </a:rPr>
-              <a:t>a coherent database for medicine </a:t>
-            </a:r>
-            <a:r>
-              <a:rPr lang="en-US" b="0" i="0" dirty="0" err="1">
-                <a:solidFill>
-                  <a:srgbClr val="1D2125"/>
-                </a:solidFill>
-                <a:effectLst/>
-                <a:latin typeface="Roboto" panose="02000000000000000000" pitchFamily="2" charset="0"/>
-              </a:rPr>
-              <a:t>guidances</a:t>
-            </a:r>
-            <a:r>
-              <a:rPr lang="en-US" b="0" i="0" dirty="0">
-                <a:solidFill>
-                  <a:srgbClr val="1D2125"/>
-                </a:solidFill>
-                <a:effectLst/>
-                <a:latin typeface="Roboto" panose="02000000000000000000" pitchFamily="2" charset="0"/>
-              </a:rPr>
-              <a:t> from regulatory agency and HTA </a:t>
-            </a:r>
-            <a:r>
-              <a:rPr lang="en-US" dirty="0">
-                <a:solidFill>
-                  <a:srgbClr val="1D2125"/>
-                </a:solidFill>
-                <a:latin typeface="Roboto" panose="02000000000000000000" pitchFamily="2" charset="0"/>
-              </a:rPr>
-              <a:t>for analysis and </a:t>
-            </a:r>
-            <a:r>
-              <a:rPr lang="en-US" b="0" i="0" dirty="0">
-                <a:solidFill>
-                  <a:srgbClr val="1D2125"/>
-                </a:solidFill>
-                <a:effectLst/>
-                <a:latin typeface="Roboto" panose="02000000000000000000" pitchFamily="2" charset="0"/>
-              </a:rPr>
-              <a:t>statistics</a:t>
-            </a:r>
-            <a:endParaRPr lang="en-US" dirty="0"/>
-          </a:p>
-        </p:txBody>
-      </p:sp>
-      <p:sp>
-        <p:nvSpPr>
           <p:cNvPr id="11" name="직사각형 10">
             <a:extLst>
               <a:ext uri="{FF2B5EF4-FFF2-40B4-BE49-F238E27FC236}">
@@ -4578,6 +6934,34 @@
           </a:p>
         </p:txBody>
       </p:sp>
+      <p:graphicFrame>
+        <p:nvGraphicFramePr>
+          <p:cNvPr id="7" name="Diagram 6">
+            <a:extLst>
+              <a:ext uri="{FF2B5EF4-FFF2-40B4-BE49-F238E27FC236}">
+                <a16:creationId xmlns:a16="http://schemas.microsoft.com/office/drawing/2014/main" id="{02B00812-388E-AC1F-612E-4C2B73F2789A}"/>
+              </a:ext>
+            </a:extLst>
+          </p:cNvPr>
+          <p:cNvGraphicFramePr/>
+          <p:nvPr>
+            <p:extLst>
+              <p:ext uri="{D42A27DB-BD31-4B8C-83A1-F6EECF244321}">
+                <p14:modId xmlns:p14="http://schemas.microsoft.com/office/powerpoint/2010/main" val="1828755224"/>
+              </p:ext>
+            </p:extLst>
+          </p:nvPr>
+        </p:nvGraphicFramePr>
+        <p:xfrm>
+          <a:off x="2032000" y="1550543"/>
+          <a:ext cx="8128000" cy="5418667"/>
+        </p:xfrm>
+        <a:graphic>
+          <a:graphicData uri="http://schemas.openxmlformats.org/drawingml/2006/diagram">
+            <dgm:relIds xmlns:dgm="http://schemas.openxmlformats.org/drawingml/2006/diagram" xmlns:r="http://schemas.openxmlformats.org/officeDocument/2006/relationships" r:dm="rId2" r:lo="rId3" r:qs="rId4" r:cs="rId5"/>
+          </a:graphicData>
+        </a:graphic>
+      </p:graphicFrame>
     </p:spTree>
     <p:extLst>
       <p:ext uri="{BB962C8B-B14F-4D97-AF65-F5344CB8AC3E}">
@@ -5358,7 +7742,7 @@
           <a:lstStyle/>
           <a:p>
             <a:r>
-              <a:rPr lang="ko-KR" altLang="en-US"/>
+              <a:rPr lang="ko-KR" altLang="en-US" dirty="0"/>
               <a:t>스크립트내 코드들이 유기적으로 연결 되어 있음</a:t>
             </a:r>
             <a:endParaRPr lang="en-US" dirty="0"/>
